--- a/二叉树/二叉树的中序遍历/树的中序遍历.pptx
+++ b/二叉树/二叉树的中序遍历/树的中序遍历.pptx
@@ -1,11 +1,11 @@
 
 <file path=ppt/presentation.xml><?xml version="1.0" encoding="utf-8"?>
-<p:presentation xmlns:a="http://schemas.openxmlformats.org/drawingml/2006/main" xmlns:r="http://schemas.openxmlformats.org/officeDocument/2006/relationships" xmlns:p="http://schemas.openxmlformats.org/presentationml/2006/main" saveSubsetFonts="1">
+<p:presentation xmlns:a="http://schemas.openxmlformats.org/drawingml/2006/main" xmlns:r="http://schemas.openxmlformats.org/officeDocument/2006/relationships" xmlns:p="http://schemas.openxmlformats.org/presentationml/2006/main">
   <p:sldMasterIdLst>
     <p:sldMasterId id="2147483648" r:id="rId1"/>
   </p:sldMasterIdLst>
   <p:sldIdLst>
-    <p:sldId id="256" r:id="rId2"/>
+    <p:sldId id="256" r:id="rId3"/>
   </p:sldIdLst>
   <p:sldSz cx="12192000" cy="6858000"/>
   <p:notesSz cx="6858000" cy="9144000"/>
@@ -126,13 +126,7 @@
       </p:grpSpPr>
       <p:sp>
         <p:nvSpPr>
-          <p:cNvPr id="2" name="标题 1">
-            <a:extLst>
-              <a:ext uri="{FF2B5EF4-FFF2-40B4-BE49-F238E27FC236}">
-                <a16:creationId xmlns:a16="http://schemas.microsoft.com/office/drawing/2014/main" id="{D98B2EE4-0417-4151-A306-ED85866A81ED}"/>
-              </a:ext>
-            </a:extLst>
-          </p:cNvPr>
+          <p:cNvPr id="2" name="标题 1"/>
           <p:cNvSpPr>
             <a:spLocks noGrp="1"/>
           </p:cNvSpPr>
@@ -158,18 +152,13 @@
               <a:rPr lang="zh-CN" altLang="en-US"/>
               <a:t>单击此处编辑母版标题样式</a:t>
             </a:r>
-          </a:p>
-        </p:txBody>
-      </p:sp>
-      <p:sp>
-        <p:nvSpPr>
-          <p:cNvPr id="3" name="副标题 2">
-            <a:extLst>
-              <a:ext uri="{FF2B5EF4-FFF2-40B4-BE49-F238E27FC236}">
-                <a16:creationId xmlns:a16="http://schemas.microsoft.com/office/drawing/2014/main" id="{BC7CCF2C-22DC-4B8F-AD7C-D0FA484BD971}"/>
-              </a:ext>
-            </a:extLst>
-          </p:cNvPr>
+            <a:endParaRPr lang="zh-CN" altLang="en-US"/>
+          </a:p>
+        </p:txBody>
+      </p:sp>
+      <p:sp>
+        <p:nvSpPr>
+          <p:cNvPr id="3" name="副标题 2"/>
           <p:cNvSpPr>
             <a:spLocks noGrp="1"/>
           </p:cNvSpPr>
@@ -228,18 +217,13 @@
               <a:rPr lang="zh-CN" altLang="en-US"/>
               <a:t>单击此处编辑母版副标题样式</a:t>
             </a:r>
-          </a:p>
-        </p:txBody>
-      </p:sp>
-      <p:sp>
-        <p:nvSpPr>
-          <p:cNvPr id="4" name="日期占位符 3">
-            <a:extLst>
-              <a:ext uri="{FF2B5EF4-FFF2-40B4-BE49-F238E27FC236}">
-                <a16:creationId xmlns:a16="http://schemas.microsoft.com/office/drawing/2014/main" id="{72904B72-451A-4648-AA02-1432609C5F7E}"/>
-              </a:ext>
-            </a:extLst>
-          </p:cNvPr>
+            <a:endParaRPr lang="zh-CN" altLang="en-US"/>
+          </a:p>
+        </p:txBody>
+      </p:sp>
+      <p:sp>
+        <p:nvSpPr>
+          <p:cNvPr id="4" name="日期占位符 3"/>
           <p:cNvSpPr>
             <a:spLocks noGrp="1"/>
           </p:cNvSpPr>
@@ -254,7 +238,6 @@
           <a:p>
             <a:fld id="{B1FFBBD3-5E39-4D4B-930A-3C66C62EBE63}" type="datetimeFigureOut">
               <a:rPr lang="zh-CN" altLang="en-US" smtClean="0"/>
-              <a:t>2020/11/20</a:t>
             </a:fld>
             <a:endParaRPr lang="zh-CN" altLang="en-US"/>
           </a:p>
@@ -262,13 +245,7 @@
       </p:sp>
       <p:sp>
         <p:nvSpPr>
-          <p:cNvPr id="5" name="页脚占位符 4">
-            <a:extLst>
-              <a:ext uri="{FF2B5EF4-FFF2-40B4-BE49-F238E27FC236}">
-                <a16:creationId xmlns:a16="http://schemas.microsoft.com/office/drawing/2014/main" id="{AE7768EC-E855-4DBD-B520-642605F8028A}"/>
-              </a:ext>
-            </a:extLst>
-          </p:cNvPr>
+          <p:cNvPr id="5" name="页脚占位符 4"/>
           <p:cNvSpPr>
             <a:spLocks noGrp="1"/>
           </p:cNvSpPr>
@@ -287,13 +264,7 @@
       </p:sp>
       <p:sp>
         <p:nvSpPr>
-          <p:cNvPr id="6" name="灯片编号占位符 5">
-            <a:extLst>
-              <a:ext uri="{FF2B5EF4-FFF2-40B4-BE49-F238E27FC236}">
-                <a16:creationId xmlns:a16="http://schemas.microsoft.com/office/drawing/2014/main" id="{15461969-3E1E-45BC-9B2A-9A151B9ADA52}"/>
-              </a:ext>
-            </a:extLst>
-          </p:cNvPr>
+          <p:cNvPr id="6" name="灯片编号占位符 5"/>
           <p:cNvSpPr>
             <a:spLocks noGrp="1"/>
           </p:cNvSpPr>
@@ -308,18 +279,12 @@
           <a:p>
             <a:fld id="{E150E3B7-6F42-475E-8C30-65D9D888FC9D}" type="slidenum">
               <a:rPr lang="zh-CN" altLang="en-US" smtClean="0"/>
-              <a:t>‹#›</a:t>
             </a:fld>
             <a:endParaRPr lang="zh-CN" altLang="en-US"/>
           </a:p>
         </p:txBody>
       </p:sp>
     </p:spTree>
-    <p:extLst>
-      <p:ext uri="{BB962C8B-B14F-4D97-AF65-F5344CB8AC3E}">
-        <p14:creationId xmlns:p14="http://schemas.microsoft.com/office/powerpoint/2010/main" val="1804009966"/>
-      </p:ext>
-    </p:extLst>
   </p:cSld>
   <p:clrMapOvr>
     <a:masterClrMapping/>
@@ -346,13 +311,7 @@
       </p:grpSpPr>
       <p:sp>
         <p:nvSpPr>
-          <p:cNvPr id="2" name="标题 1">
-            <a:extLst>
-              <a:ext uri="{FF2B5EF4-FFF2-40B4-BE49-F238E27FC236}">
-                <a16:creationId xmlns:a16="http://schemas.microsoft.com/office/drawing/2014/main" id="{B3174C4D-4A65-4F2C-93BA-3D2923E31CE7}"/>
-              </a:ext>
-            </a:extLst>
-          </p:cNvPr>
+          <p:cNvPr id="2" name="标题 1"/>
           <p:cNvSpPr>
             <a:spLocks noGrp="1"/>
           </p:cNvSpPr>
@@ -369,18 +328,13 @@
               <a:rPr lang="zh-CN" altLang="en-US"/>
               <a:t>单击此处编辑母版标题样式</a:t>
             </a:r>
-          </a:p>
-        </p:txBody>
-      </p:sp>
-      <p:sp>
-        <p:nvSpPr>
-          <p:cNvPr id="3" name="竖排文字占位符 2">
-            <a:extLst>
-              <a:ext uri="{FF2B5EF4-FFF2-40B4-BE49-F238E27FC236}">
-                <a16:creationId xmlns:a16="http://schemas.microsoft.com/office/drawing/2014/main" id="{36D19315-EA9F-4617-9674-C8247CF75021}"/>
-              </a:ext>
-            </a:extLst>
-          </p:cNvPr>
+            <a:endParaRPr lang="zh-CN" altLang="en-US"/>
+          </a:p>
+        </p:txBody>
+      </p:sp>
+      <p:sp>
+        <p:nvSpPr>
+          <p:cNvPr id="3" name="竖排文字占位符 2"/>
           <p:cNvSpPr>
             <a:spLocks noGrp="1"/>
           </p:cNvSpPr>
@@ -398,6 +352,7 @@
               <a:rPr lang="zh-CN" altLang="en-US"/>
               <a:t>单击此处编辑母版文本样式</a:t>
             </a:r>
+            <a:endParaRPr lang="zh-CN" altLang="en-US"/>
           </a:p>
           <a:p>
             <a:pPr lvl="1"/>
@@ -405,6 +360,7 @@
               <a:rPr lang="zh-CN" altLang="en-US"/>
               <a:t>二级</a:t>
             </a:r>
+            <a:endParaRPr lang="zh-CN" altLang="en-US"/>
           </a:p>
           <a:p>
             <a:pPr lvl="2"/>
@@ -412,6 +368,7 @@
               <a:rPr lang="zh-CN" altLang="en-US"/>
               <a:t>三级</a:t>
             </a:r>
+            <a:endParaRPr lang="zh-CN" altLang="en-US"/>
           </a:p>
           <a:p>
             <a:pPr lvl="3"/>
@@ -419,6 +376,7 @@
               <a:rPr lang="zh-CN" altLang="en-US"/>
               <a:t>四级</a:t>
             </a:r>
+            <a:endParaRPr lang="zh-CN" altLang="en-US"/>
           </a:p>
           <a:p>
             <a:pPr lvl="4"/>
@@ -426,18 +384,13 @@
               <a:rPr lang="zh-CN" altLang="en-US"/>
               <a:t>五级</a:t>
             </a:r>
-          </a:p>
-        </p:txBody>
-      </p:sp>
-      <p:sp>
-        <p:nvSpPr>
-          <p:cNvPr id="4" name="日期占位符 3">
-            <a:extLst>
-              <a:ext uri="{FF2B5EF4-FFF2-40B4-BE49-F238E27FC236}">
-                <a16:creationId xmlns:a16="http://schemas.microsoft.com/office/drawing/2014/main" id="{16D6BB02-3777-4E15-9734-BF23A1542FAB}"/>
-              </a:ext>
-            </a:extLst>
-          </p:cNvPr>
+            <a:endParaRPr lang="zh-CN" altLang="en-US"/>
+          </a:p>
+        </p:txBody>
+      </p:sp>
+      <p:sp>
+        <p:nvSpPr>
+          <p:cNvPr id="4" name="日期占位符 3"/>
           <p:cNvSpPr>
             <a:spLocks noGrp="1"/>
           </p:cNvSpPr>
@@ -452,7 +405,6 @@
           <a:p>
             <a:fld id="{B1FFBBD3-5E39-4D4B-930A-3C66C62EBE63}" type="datetimeFigureOut">
               <a:rPr lang="zh-CN" altLang="en-US" smtClean="0"/>
-              <a:t>2020/11/20</a:t>
             </a:fld>
             <a:endParaRPr lang="zh-CN" altLang="en-US"/>
           </a:p>
@@ -460,13 +412,7 @@
       </p:sp>
       <p:sp>
         <p:nvSpPr>
-          <p:cNvPr id="5" name="页脚占位符 4">
-            <a:extLst>
-              <a:ext uri="{FF2B5EF4-FFF2-40B4-BE49-F238E27FC236}">
-                <a16:creationId xmlns:a16="http://schemas.microsoft.com/office/drawing/2014/main" id="{EE59948B-E2F0-4746-971D-5E51A5845435}"/>
-              </a:ext>
-            </a:extLst>
-          </p:cNvPr>
+          <p:cNvPr id="5" name="页脚占位符 4"/>
           <p:cNvSpPr>
             <a:spLocks noGrp="1"/>
           </p:cNvSpPr>
@@ -485,13 +431,7 @@
       </p:sp>
       <p:sp>
         <p:nvSpPr>
-          <p:cNvPr id="6" name="灯片编号占位符 5">
-            <a:extLst>
-              <a:ext uri="{FF2B5EF4-FFF2-40B4-BE49-F238E27FC236}">
-                <a16:creationId xmlns:a16="http://schemas.microsoft.com/office/drawing/2014/main" id="{1B34BB64-834D-4966-B301-014DBDCD7681}"/>
-              </a:ext>
-            </a:extLst>
-          </p:cNvPr>
+          <p:cNvPr id="6" name="灯片编号占位符 5"/>
           <p:cNvSpPr>
             <a:spLocks noGrp="1"/>
           </p:cNvSpPr>
@@ -506,18 +446,12 @@
           <a:p>
             <a:fld id="{E150E3B7-6F42-475E-8C30-65D9D888FC9D}" type="slidenum">
               <a:rPr lang="zh-CN" altLang="en-US" smtClean="0"/>
-              <a:t>‹#›</a:t>
             </a:fld>
             <a:endParaRPr lang="zh-CN" altLang="en-US"/>
           </a:p>
         </p:txBody>
       </p:sp>
     </p:spTree>
-    <p:extLst>
-      <p:ext uri="{BB962C8B-B14F-4D97-AF65-F5344CB8AC3E}">
-        <p14:creationId xmlns:p14="http://schemas.microsoft.com/office/powerpoint/2010/main" val="3947061719"/>
-      </p:ext>
-    </p:extLst>
   </p:cSld>
   <p:clrMapOvr>
     <a:masterClrMapping/>
@@ -544,13 +478,7 @@
       </p:grpSpPr>
       <p:sp>
         <p:nvSpPr>
-          <p:cNvPr id="2" name="竖排标题 1">
-            <a:extLst>
-              <a:ext uri="{FF2B5EF4-FFF2-40B4-BE49-F238E27FC236}">
-                <a16:creationId xmlns:a16="http://schemas.microsoft.com/office/drawing/2014/main" id="{8818F1D4-F234-462C-9576-7AD8C135A344}"/>
-              </a:ext>
-            </a:extLst>
-          </p:cNvPr>
+          <p:cNvPr id="2" name="竖排标题 1"/>
           <p:cNvSpPr>
             <a:spLocks noGrp="1"/>
           </p:cNvSpPr>
@@ -572,18 +500,13 @@
               <a:rPr lang="zh-CN" altLang="en-US"/>
               <a:t>单击此处编辑母版标题样式</a:t>
             </a:r>
-          </a:p>
-        </p:txBody>
-      </p:sp>
-      <p:sp>
-        <p:nvSpPr>
-          <p:cNvPr id="3" name="竖排文字占位符 2">
-            <a:extLst>
-              <a:ext uri="{FF2B5EF4-FFF2-40B4-BE49-F238E27FC236}">
-                <a16:creationId xmlns:a16="http://schemas.microsoft.com/office/drawing/2014/main" id="{751D7531-451F-4327-9CF7-CA92C6267191}"/>
-              </a:ext>
-            </a:extLst>
-          </p:cNvPr>
+            <a:endParaRPr lang="zh-CN" altLang="en-US"/>
+          </a:p>
+        </p:txBody>
+      </p:sp>
+      <p:sp>
+        <p:nvSpPr>
+          <p:cNvPr id="3" name="竖排文字占位符 2"/>
           <p:cNvSpPr>
             <a:spLocks noGrp="1"/>
           </p:cNvSpPr>
@@ -606,6 +529,7 @@
               <a:rPr lang="zh-CN" altLang="en-US"/>
               <a:t>单击此处编辑母版文本样式</a:t>
             </a:r>
+            <a:endParaRPr lang="zh-CN" altLang="en-US"/>
           </a:p>
           <a:p>
             <a:pPr lvl="1"/>
@@ -613,6 +537,7 @@
               <a:rPr lang="zh-CN" altLang="en-US"/>
               <a:t>二级</a:t>
             </a:r>
+            <a:endParaRPr lang="zh-CN" altLang="en-US"/>
           </a:p>
           <a:p>
             <a:pPr lvl="2"/>
@@ -620,6 +545,7 @@
               <a:rPr lang="zh-CN" altLang="en-US"/>
               <a:t>三级</a:t>
             </a:r>
+            <a:endParaRPr lang="zh-CN" altLang="en-US"/>
           </a:p>
           <a:p>
             <a:pPr lvl="3"/>
@@ -627,6 +553,7 @@
               <a:rPr lang="zh-CN" altLang="en-US"/>
               <a:t>四级</a:t>
             </a:r>
+            <a:endParaRPr lang="zh-CN" altLang="en-US"/>
           </a:p>
           <a:p>
             <a:pPr lvl="4"/>
@@ -634,18 +561,13 @@
               <a:rPr lang="zh-CN" altLang="en-US"/>
               <a:t>五级</a:t>
             </a:r>
-          </a:p>
-        </p:txBody>
-      </p:sp>
-      <p:sp>
-        <p:nvSpPr>
-          <p:cNvPr id="4" name="日期占位符 3">
-            <a:extLst>
-              <a:ext uri="{FF2B5EF4-FFF2-40B4-BE49-F238E27FC236}">
-                <a16:creationId xmlns:a16="http://schemas.microsoft.com/office/drawing/2014/main" id="{B7822941-198B-4F01-B59A-5D59F206F7F5}"/>
-              </a:ext>
-            </a:extLst>
-          </p:cNvPr>
+            <a:endParaRPr lang="zh-CN" altLang="en-US"/>
+          </a:p>
+        </p:txBody>
+      </p:sp>
+      <p:sp>
+        <p:nvSpPr>
+          <p:cNvPr id="4" name="日期占位符 3"/>
           <p:cNvSpPr>
             <a:spLocks noGrp="1"/>
           </p:cNvSpPr>
@@ -660,7 +582,6 @@
           <a:p>
             <a:fld id="{B1FFBBD3-5E39-4D4B-930A-3C66C62EBE63}" type="datetimeFigureOut">
               <a:rPr lang="zh-CN" altLang="en-US" smtClean="0"/>
-              <a:t>2020/11/20</a:t>
             </a:fld>
             <a:endParaRPr lang="zh-CN" altLang="en-US"/>
           </a:p>
@@ -668,13 +589,7 @@
       </p:sp>
       <p:sp>
         <p:nvSpPr>
-          <p:cNvPr id="5" name="页脚占位符 4">
-            <a:extLst>
-              <a:ext uri="{FF2B5EF4-FFF2-40B4-BE49-F238E27FC236}">
-                <a16:creationId xmlns:a16="http://schemas.microsoft.com/office/drawing/2014/main" id="{DAE170BF-6EB1-4DBA-A5B4-F23F4AAF6657}"/>
-              </a:ext>
-            </a:extLst>
-          </p:cNvPr>
+          <p:cNvPr id="5" name="页脚占位符 4"/>
           <p:cNvSpPr>
             <a:spLocks noGrp="1"/>
           </p:cNvSpPr>
@@ -693,13 +608,7 @@
       </p:sp>
       <p:sp>
         <p:nvSpPr>
-          <p:cNvPr id="6" name="灯片编号占位符 5">
-            <a:extLst>
-              <a:ext uri="{FF2B5EF4-FFF2-40B4-BE49-F238E27FC236}">
-                <a16:creationId xmlns:a16="http://schemas.microsoft.com/office/drawing/2014/main" id="{C71F3E13-F684-4D61-9759-F78F3A757864}"/>
-              </a:ext>
-            </a:extLst>
-          </p:cNvPr>
+          <p:cNvPr id="6" name="灯片编号占位符 5"/>
           <p:cNvSpPr>
             <a:spLocks noGrp="1"/>
           </p:cNvSpPr>
@@ -714,18 +623,12 @@
           <a:p>
             <a:fld id="{E150E3B7-6F42-475E-8C30-65D9D888FC9D}" type="slidenum">
               <a:rPr lang="zh-CN" altLang="en-US" smtClean="0"/>
-              <a:t>‹#›</a:t>
             </a:fld>
             <a:endParaRPr lang="zh-CN" altLang="en-US"/>
           </a:p>
         </p:txBody>
       </p:sp>
     </p:spTree>
-    <p:extLst>
-      <p:ext uri="{BB962C8B-B14F-4D97-AF65-F5344CB8AC3E}">
-        <p14:creationId xmlns:p14="http://schemas.microsoft.com/office/powerpoint/2010/main" val="185442981"/>
-      </p:ext>
-    </p:extLst>
   </p:cSld>
   <p:clrMapOvr>
     <a:masterClrMapping/>
@@ -752,13 +655,7 @@
       </p:grpSpPr>
       <p:sp>
         <p:nvSpPr>
-          <p:cNvPr id="2" name="标题 1">
-            <a:extLst>
-              <a:ext uri="{FF2B5EF4-FFF2-40B4-BE49-F238E27FC236}">
-                <a16:creationId xmlns:a16="http://schemas.microsoft.com/office/drawing/2014/main" id="{62CA94E6-505B-4495-8F77-DCA0695173CC}"/>
-              </a:ext>
-            </a:extLst>
-          </p:cNvPr>
+          <p:cNvPr id="2" name="标题 1"/>
           <p:cNvSpPr>
             <a:spLocks noGrp="1"/>
           </p:cNvSpPr>
@@ -775,18 +672,13 @@
               <a:rPr lang="zh-CN" altLang="en-US"/>
               <a:t>单击此处编辑母版标题样式</a:t>
             </a:r>
-          </a:p>
-        </p:txBody>
-      </p:sp>
-      <p:sp>
-        <p:nvSpPr>
-          <p:cNvPr id="3" name="内容占位符 2">
-            <a:extLst>
-              <a:ext uri="{FF2B5EF4-FFF2-40B4-BE49-F238E27FC236}">
-                <a16:creationId xmlns:a16="http://schemas.microsoft.com/office/drawing/2014/main" id="{6ECAB1EB-0903-4C20-8841-822AB63686C0}"/>
-              </a:ext>
-            </a:extLst>
-          </p:cNvPr>
+            <a:endParaRPr lang="zh-CN" altLang="en-US"/>
+          </a:p>
+        </p:txBody>
+      </p:sp>
+      <p:sp>
+        <p:nvSpPr>
+          <p:cNvPr id="3" name="内容占位符 2"/>
           <p:cNvSpPr>
             <a:spLocks noGrp="1"/>
           </p:cNvSpPr>
@@ -804,6 +696,7 @@
               <a:rPr lang="zh-CN" altLang="en-US"/>
               <a:t>单击此处编辑母版文本样式</a:t>
             </a:r>
+            <a:endParaRPr lang="zh-CN" altLang="en-US"/>
           </a:p>
           <a:p>
             <a:pPr lvl="1"/>
@@ -811,6 +704,7 @@
               <a:rPr lang="zh-CN" altLang="en-US"/>
               <a:t>二级</a:t>
             </a:r>
+            <a:endParaRPr lang="zh-CN" altLang="en-US"/>
           </a:p>
           <a:p>
             <a:pPr lvl="2"/>
@@ -818,6 +712,7 @@
               <a:rPr lang="zh-CN" altLang="en-US"/>
               <a:t>三级</a:t>
             </a:r>
+            <a:endParaRPr lang="zh-CN" altLang="en-US"/>
           </a:p>
           <a:p>
             <a:pPr lvl="3"/>
@@ -825,6 +720,7 @@
               <a:rPr lang="zh-CN" altLang="en-US"/>
               <a:t>四级</a:t>
             </a:r>
+            <a:endParaRPr lang="zh-CN" altLang="en-US"/>
           </a:p>
           <a:p>
             <a:pPr lvl="4"/>
@@ -832,18 +728,13 @@
               <a:rPr lang="zh-CN" altLang="en-US"/>
               <a:t>五级</a:t>
             </a:r>
-          </a:p>
-        </p:txBody>
-      </p:sp>
-      <p:sp>
-        <p:nvSpPr>
-          <p:cNvPr id="4" name="日期占位符 3">
-            <a:extLst>
-              <a:ext uri="{FF2B5EF4-FFF2-40B4-BE49-F238E27FC236}">
-                <a16:creationId xmlns:a16="http://schemas.microsoft.com/office/drawing/2014/main" id="{A45021B3-DEFA-4A1D-85E1-745DD1886D47}"/>
-              </a:ext>
-            </a:extLst>
-          </p:cNvPr>
+            <a:endParaRPr lang="zh-CN" altLang="en-US"/>
+          </a:p>
+        </p:txBody>
+      </p:sp>
+      <p:sp>
+        <p:nvSpPr>
+          <p:cNvPr id="4" name="日期占位符 3"/>
           <p:cNvSpPr>
             <a:spLocks noGrp="1"/>
           </p:cNvSpPr>
@@ -858,7 +749,6 @@
           <a:p>
             <a:fld id="{B1FFBBD3-5E39-4D4B-930A-3C66C62EBE63}" type="datetimeFigureOut">
               <a:rPr lang="zh-CN" altLang="en-US" smtClean="0"/>
-              <a:t>2020/11/20</a:t>
             </a:fld>
             <a:endParaRPr lang="zh-CN" altLang="en-US"/>
           </a:p>
@@ -866,13 +756,7 @@
       </p:sp>
       <p:sp>
         <p:nvSpPr>
-          <p:cNvPr id="5" name="页脚占位符 4">
-            <a:extLst>
-              <a:ext uri="{FF2B5EF4-FFF2-40B4-BE49-F238E27FC236}">
-                <a16:creationId xmlns:a16="http://schemas.microsoft.com/office/drawing/2014/main" id="{E7FF6638-C1A6-41A6-AA55-F0BF1C5DC169}"/>
-              </a:ext>
-            </a:extLst>
-          </p:cNvPr>
+          <p:cNvPr id="5" name="页脚占位符 4"/>
           <p:cNvSpPr>
             <a:spLocks noGrp="1"/>
           </p:cNvSpPr>
@@ -891,13 +775,7 @@
       </p:sp>
       <p:sp>
         <p:nvSpPr>
-          <p:cNvPr id="6" name="灯片编号占位符 5">
-            <a:extLst>
-              <a:ext uri="{FF2B5EF4-FFF2-40B4-BE49-F238E27FC236}">
-                <a16:creationId xmlns:a16="http://schemas.microsoft.com/office/drawing/2014/main" id="{DA92A08C-BC7C-4063-805B-42BEF6806CAF}"/>
-              </a:ext>
-            </a:extLst>
-          </p:cNvPr>
+          <p:cNvPr id="6" name="灯片编号占位符 5"/>
           <p:cNvSpPr>
             <a:spLocks noGrp="1"/>
           </p:cNvSpPr>
@@ -912,18 +790,12 @@
           <a:p>
             <a:fld id="{E150E3B7-6F42-475E-8C30-65D9D888FC9D}" type="slidenum">
               <a:rPr lang="zh-CN" altLang="en-US" smtClean="0"/>
-              <a:t>‹#›</a:t>
             </a:fld>
             <a:endParaRPr lang="zh-CN" altLang="en-US"/>
           </a:p>
         </p:txBody>
       </p:sp>
     </p:spTree>
-    <p:extLst>
-      <p:ext uri="{BB962C8B-B14F-4D97-AF65-F5344CB8AC3E}">
-        <p14:creationId xmlns:p14="http://schemas.microsoft.com/office/powerpoint/2010/main" val="2289234669"/>
-      </p:ext>
-    </p:extLst>
   </p:cSld>
   <p:clrMapOvr>
     <a:masterClrMapping/>
@@ -950,13 +822,7 @@
       </p:grpSpPr>
       <p:sp>
         <p:nvSpPr>
-          <p:cNvPr id="2" name="标题 1">
-            <a:extLst>
-              <a:ext uri="{FF2B5EF4-FFF2-40B4-BE49-F238E27FC236}">
-                <a16:creationId xmlns:a16="http://schemas.microsoft.com/office/drawing/2014/main" id="{694EB247-1413-4778-A81C-66A1C7BAF416}"/>
-              </a:ext>
-            </a:extLst>
-          </p:cNvPr>
+          <p:cNvPr id="2" name="标题 1"/>
           <p:cNvSpPr>
             <a:spLocks noGrp="1"/>
           </p:cNvSpPr>
@@ -982,18 +848,13 @@
               <a:rPr lang="zh-CN" altLang="en-US"/>
               <a:t>单击此处编辑母版标题样式</a:t>
             </a:r>
-          </a:p>
-        </p:txBody>
-      </p:sp>
-      <p:sp>
-        <p:nvSpPr>
-          <p:cNvPr id="3" name="文本占位符 2">
-            <a:extLst>
-              <a:ext uri="{FF2B5EF4-FFF2-40B4-BE49-F238E27FC236}">
-                <a16:creationId xmlns:a16="http://schemas.microsoft.com/office/drawing/2014/main" id="{9E2C25A4-0353-4290-8F90-DBCE56F1DE13}"/>
-              </a:ext>
-            </a:extLst>
-          </p:cNvPr>
+            <a:endParaRPr lang="zh-CN" altLang="en-US"/>
+          </a:p>
+        </p:txBody>
+      </p:sp>
+      <p:sp>
+        <p:nvSpPr>
+          <p:cNvPr id="3" name="文本占位符 2"/>
           <p:cNvSpPr>
             <a:spLocks noGrp="1"/>
           </p:cNvSpPr>
@@ -1107,18 +968,13 @@
               <a:rPr lang="zh-CN" altLang="en-US"/>
               <a:t>单击此处编辑母版文本样式</a:t>
             </a:r>
-          </a:p>
-        </p:txBody>
-      </p:sp>
-      <p:sp>
-        <p:nvSpPr>
-          <p:cNvPr id="4" name="日期占位符 3">
-            <a:extLst>
-              <a:ext uri="{FF2B5EF4-FFF2-40B4-BE49-F238E27FC236}">
-                <a16:creationId xmlns:a16="http://schemas.microsoft.com/office/drawing/2014/main" id="{84096D3A-3025-4499-A6E0-52B24FD2EBE5}"/>
-              </a:ext>
-            </a:extLst>
-          </p:cNvPr>
+            <a:endParaRPr lang="zh-CN" altLang="en-US"/>
+          </a:p>
+        </p:txBody>
+      </p:sp>
+      <p:sp>
+        <p:nvSpPr>
+          <p:cNvPr id="4" name="日期占位符 3"/>
           <p:cNvSpPr>
             <a:spLocks noGrp="1"/>
           </p:cNvSpPr>
@@ -1133,7 +989,6 @@
           <a:p>
             <a:fld id="{B1FFBBD3-5E39-4D4B-930A-3C66C62EBE63}" type="datetimeFigureOut">
               <a:rPr lang="zh-CN" altLang="en-US" smtClean="0"/>
-              <a:t>2020/11/20</a:t>
             </a:fld>
             <a:endParaRPr lang="zh-CN" altLang="en-US"/>
           </a:p>
@@ -1141,13 +996,7 @@
       </p:sp>
       <p:sp>
         <p:nvSpPr>
-          <p:cNvPr id="5" name="页脚占位符 4">
-            <a:extLst>
-              <a:ext uri="{FF2B5EF4-FFF2-40B4-BE49-F238E27FC236}">
-                <a16:creationId xmlns:a16="http://schemas.microsoft.com/office/drawing/2014/main" id="{8B679F07-7400-472A-8952-F1C3CB99321F}"/>
-              </a:ext>
-            </a:extLst>
-          </p:cNvPr>
+          <p:cNvPr id="5" name="页脚占位符 4"/>
           <p:cNvSpPr>
             <a:spLocks noGrp="1"/>
           </p:cNvSpPr>
@@ -1166,13 +1015,7 @@
       </p:sp>
       <p:sp>
         <p:nvSpPr>
-          <p:cNvPr id="6" name="灯片编号占位符 5">
-            <a:extLst>
-              <a:ext uri="{FF2B5EF4-FFF2-40B4-BE49-F238E27FC236}">
-                <a16:creationId xmlns:a16="http://schemas.microsoft.com/office/drawing/2014/main" id="{F7553887-C472-40F7-9038-8474A1FFA075}"/>
-              </a:ext>
-            </a:extLst>
-          </p:cNvPr>
+          <p:cNvPr id="6" name="灯片编号占位符 5"/>
           <p:cNvSpPr>
             <a:spLocks noGrp="1"/>
           </p:cNvSpPr>
@@ -1187,18 +1030,12 @@
           <a:p>
             <a:fld id="{E150E3B7-6F42-475E-8C30-65D9D888FC9D}" type="slidenum">
               <a:rPr lang="zh-CN" altLang="en-US" smtClean="0"/>
-              <a:t>‹#›</a:t>
             </a:fld>
             <a:endParaRPr lang="zh-CN" altLang="en-US"/>
           </a:p>
         </p:txBody>
       </p:sp>
     </p:spTree>
-    <p:extLst>
-      <p:ext uri="{BB962C8B-B14F-4D97-AF65-F5344CB8AC3E}">
-        <p14:creationId xmlns:p14="http://schemas.microsoft.com/office/powerpoint/2010/main" val="2442563843"/>
-      </p:ext>
-    </p:extLst>
   </p:cSld>
   <p:clrMapOvr>
     <a:masterClrMapping/>
@@ -1225,13 +1062,7 @@
       </p:grpSpPr>
       <p:sp>
         <p:nvSpPr>
-          <p:cNvPr id="2" name="标题 1">
-            <a:extLst>
-              <a:ext uri="{FF2B5EF4-FFF2-40B4-BE49-F238E27FC236}">
-                <a16:creationId xmlns:a16="http://schemas.microsoft.com/office/drawing/2014/main" id="{92E72BD3-C542-4A4F-9889-9C5E2B78FF99}"/>
-              </a:ext>
-            </a:extLst>
-          </p:cNvPr>
+          <p:cNvPr id="2" name="标题 1"/>
           <p:cNvSpPr>
             <a:spLocks noGrp="1"/>
           </p:cNvSpPr>
@@ -1248,18 +1079,13 @@
               <a:rPr lang="zh-CN" altLang="en-US"/>
               <a:t>单击此处编辑母版标题样式</a:t>
             </a:r>
-          </a:p>
-        </p:txBody>
-      </p:sp>
-      <p:sp>
-        <p:nvSpPr>
-          <p:cNvPr id="3" name="内容占位符 2">
-            <a:extLst>
-              <a:ext uri="{FF2B5EF4-FFF2-40B4-BE49-F238E27FC236}">
-                <a16:creationId xmlns:a16="http://schemas.microsoft.com/office/drawing/2014/main" id="{D8B87C2E-01B5-4CC2-9D9A-ABE7D6D205F4}"/>
-              </a:ext>
-            </a:extLst>
-          </p:cNvPr>
+            <a:endParaRPr lang="zh-CN" altLang="en-US"/>
+          </a:p>
+        </p:txBody>
+      </p:sp>
+      <p:sp>
+        <p:nvSpPr>
+          <p:cNvPr id="3" name="内容占位符 2"/>
           <p:cNvSpPr>
             <a:spLocks noGrp="1"/>
           </p:cNvSpPr>
@@ -1282,6 +1108,7 @@
               <a:rPr lang="zh-CN" altLang="en-US"/>
               <a:t>单击此处编辑母版文本样式</a:t>
             </a:r>
+            <a:endParaRPr lang="zh-CN" altLang="en-US"/>
           </a:p>
           <a:p>
             <a:pPr lvl="1"/>
@@ -1289,6 +1116,7 @@
               <a:rPr lang="zh-CN" altLang="en-US"/>
               <a:t>二级</a:t>
             </a:r>
+            <a:endParaRPr lang="zh-CN" altLang="en-US"/>
           </a:p>
           <a:p>
             <a:pPr lvl="2"/>
@@ -1296,6 +1124,7 @@
               <a:rPr lang="zh-CN" altLang="en-US"/>
               <a:t>三级</a:t>
             </a:r>
+            <a:endParaRPr lang="zh-CN" altLang="en-US"/>
           </a:p>
           <a:p>
             <a:pPr lvl="3"/>
@@ -1303,6 +1132,7 @@
               <a:rPr lang="zh-CN" altLang="en-US"/>
               <a:t>四级</a:t>
             </a:r>
+            <a:endParaRPr lang="zh-CN" altLang="en-US"/>
           </a:p>
           <a:p>
             <a:pPr lvl="4"/>
@@ -1310,18 +1140,13 @@
               <a:rPr lang="zh-CN" altLang="en-US"/>
               <a:t>五级</a:t>
             </a:r>
-          </a:p>
-        </p:txBody>
-      </p:sp>
-      <p:sp>
-        <p:nvSpPr>
-          <p:cNvPr id="4" name="内容占位符 3">
-            <a:extLst>
-              <a:ext uri="{FF2B5EF4-FFF2-40B4-BE49-F238E27FC236}">
-                <a16:creationId xmlns:a16="http://schemas.microsoft.com/office/drawing/2014/main" id="{2BE3F234-73E2-409D-A8B3-6AC7220ADD7A}"/>
-              </a:ext>
-            </a:extLst>
-          </p:cNvPr>
+            <a:endParaRPr lang="zh-CN" altLang="en-US"/>
+          </a:p>
+        </p:txBody>
+      </p:sp>
+      <p:sp>
+        <p:nvSpPr>
+          <p:cNvPr id="4" name="内容占位符 3"/>
           <p:cNvSpPr>
             <a:spLocks noGrp="1"/>
           </p:cNvSpPr>
@@ -1344,6 +1169,7 @@
               <a:rPr lang="zh-CN" altLang="en-US"/>
               <a:t>单击此处编辑母版文本样式</a:t>
             </a:r>
+            <a:endParaRPr lang="zh-CN" altLang="en-US"/>
           </a:p>
           <a:p>
             <a:pPr lvl="1"/>
@@ -1351,6 +1177,7 @@
               <a:rPr lang="zh-CN" altLang="en-US"/>
               <a:t>二级</a:t>
             </a:r>
+            <a:endParaRPr lang="zh-CN" altLang="en-US"/>
           </a:p>
           <a:p>
             <a:pPr lvl="2"/>
@@ -1358,6 +1185,7 @@
               <a:rPr lang="zh-CN" altLang="en-US"/>
               <a:t>三级</a:t>
             </a:r>
+            <a:endParaRPr lang="zh-CN" altLang="en-US"/>
           </a:p>
           <a:p>
             <a:pPr lvl="3"/>
@@ -1365,6 +1193,7 @@
               <a:rPr lang="zh-CN" altLang="en-US"/>
               <a:t>四级</a:t>
             </a:r>
+            <a:endParaRPr lang="zh-CN" altLang="en-US"/>
           </a:p>
           <a:p>
             <a:pPr lvl="4"/>
@@ -1372,18 +1201,13 @@
               <a:rPr lang="zh-CN" altLang="en-US"/>
               <a:t>五级</a:t>
             </a:r>
-          </a:p>
-        </p:txBody>
-      </p:sp>
-      <p:sp>
-        <p:nvSpPr>
-          <p:cNvPr id="5" name="日期占位符 4">
-            <a:extLst>
-              <a:ext uri="{FF2B5EF4-FFF2-40B4-BE49-F238E27FC236}">
-                <a16:creationId xmlns:a16="http://schemas.microsoft.com/office/drawing/2014/main" id="{2FA8295C-18D3-42E3-81EC-32863AFAC64A}"/>
-              </a:ext>
-            </a:extLst>
-          </p:cNvPr>
+            <a:endParaRPr lang="zh-CN" altLang="en-US"/>
+          </a:p>
+        </p:txBody>
+      </p:sp>
+      <p:sp>
+        <p:nvSpPr>
+          <p:cNvPr id="5" name="日期占位符 4"/>
           <p:cNvSpPr>
             <a:spLocks noGrp="1"/>
           </p:cNvSpPr>
@@ -1398,7 +1222,6 @@
           <a:p>
             <a:fld id="{B1FFBBD3-5E39-4D4B-930A-3C66C62EBE63}" type="datetimeFigureOut">
               <a:rPr lang="zh-CN" altLang="en-US" smtClean="0"/>
-              <a:t>2020/11/20</a:t>
             </a:fld>
             <a:endParaRPr lang="zh-CN" altLang="en-US"/>
           </a:p>
@@ -1406,13 +1229,7 @@
       </p:sp>
       <p:sp>
         <p:nvSpPr>
-          <p:cNvPr id="6" name="页脚占位符 5">
-            <a:extLst>
-              <a:ext uri="{FF2B5EF4-FFF2-40B4-BE49-F238E27FC236}">
-                <a16:creationId xmlns:a16="http://schemas.microsoft.com/office/drawing/2014/main" id="{83918637-7E4C-4B7C-96A8-6B53434223B3}"/>
-              </a:ext>
-            </a:extLst>
-          </p:cNvPr>
+          <p:cNvPr id="6" name="页脚占位符 5"/>
           <p:cNvSpPr>
             <a:spLocks noGrp="1"/>
           </p:cNvSpPr>
@@ -1431,13 +1248,7 @@
       </p:sp>
       <p:sp>
         <p:nvSpPr>
-          <p:cNvPr id="7" name="灯片编号占位符 6">
-            <a:extLst>
-              <a:ext uri="{FF2B5EF4-FFF2-40B4-BE49-F238E27FC236}">
-                <a16:creationId xmlns:a16="http://schemas.microsoft.com/office/drawing/2014/main" id="{DCCF3304-0F31-4CEC-AA96-E994E7284E85}"/>
-              </a:ext>
-            </a:extLst>
-          </p:cNvPr>
+          <p:cNvPr id="7" name="灯片编号占位符 6"/>
           <p:cNvSpPr>
             <a:spLocks noGrp="1"/>
           </p:cNvSpPr>
@@ -1452,18 +1263,12 @@
           <a:p>
             <a:fld id="{E150E3B7-6F42-475E-8C30-65D9D888FC9D}" type="slidenum">
               <a:rPr lang="zh-CN" altLang="en-US" smtClean="0"/>
-              <a:t>‹#›</a:t>
             </a:fld>
             <a:endParaRPr lang="zh-CN" altLang="en-US"/>
           </a:p>
         </p:txBody>
       </p:sp>
     </p:spTree>
-    <p:extLst>
-      <p:ext uri="{BB962C8B-B14F-4D97-AF65-F5344CB8AC3E}">
-        <p14:creationId xmlns:p14="http://schemas.microsoft.com/office/powerpoint/2010/main" val="1657630547"/>
-      </p:ext>
-    </p:extLst>
   </p:cSld>
   <p:clrMapOvr>
     <a:masterClrMapping/>
@@ -1490,13 +1295,7 @@
       </p:grpSpPr>
       <p:sp>
         <p:nvSpPr>
-          <p:cNvPr id="2" name="标题 1">
-            <a:extLst>
-              <a:ext uri="{FF2B5EF4-FFF2-40B4-BE49-F238E27FC236}">
-                <a16:creationId xmlns:a16="http://schemas.microsoft.com/office/drawing/2014/main" id="{E96E4EE8-92F6-4F65-9C5B-79734FC0A8E0}"/>
-              </a:ext>
-            </a:extLst>
-          </p:cNvPr>
+          <p:cNvPr id="2" name="标题 1"/>
           <p:cNvSpPr>
             <a:spLocks noGrp="1"/>
           </p:cNvSpPr>
@@ -1518,18 +1317,13 @@
               <a:rPr lang="zh-CN" altLang="en-US"/>
               <a:t>单击此处编辑母版标题样式</a:t>
             </a:r>
-          </a:p>
-        </p:txBody>
-      </p:sp>
-      <p:sp>
-        <p:nvSpPr>
-          <p:cNvPr id="3" name="文本占位符 2">
-            <a:extLst>
-              <a:ext uri="{FF2B5EF4-FFF2-40B4-BE49-F238E27FC236}">
-                <a16:creationId xmlns:a16="http://schemas.microsoft.com/office/drawing/2014/main" id="{80BB3788-024C-4629-8D21-2A8BEDB3C9DA}"/>
-              </a:ext>
-            </a:extLst>
-          </p:cNvPr>
+            <a:endParaRPr lang="zh-CN" altLang="en-US"/>
+          </a:p>
+        </p:txBody>
+      </p:sp>
+      <p:sp>
+        <p:nvSpPr>
+          <p:cNvPr id="3" name="文本占位符 2"/>
           <p:cNvSpPr>
             <a:spLocks noGrp="1"/>
           </p:cNvSpPr>
@@ -1589,18 +1383,13 @@
               <a:rPr lang="zh-CN" altLang="en-US"/>
               <a:t>单击此处编辑母版文本样式</a:t>
             </a:r>
-          </a:p>
-        </p:txBody>
-      </p:sp>
-      <p:sp>
-        <p:nvSpPr>
-          <p:cNvPr id="4" name="内容占位符 3">
-            <a:extLst>
-              <a:ext uri="{FF2B5EF4-FFF2-40B4-BE49-F238E27FC236}">
-                <a16:creationId xmlns:a16="http://schemas.microsoft.com/office/drawing/2014/main" id="{159AEF3F-3EB7-4701-9E07-1E7CF49F9F83}"/>
-              </a:ext>
-            </a:extLst>
-          </p:cNvPr>
+            <a:endParaRPr lang="zh-CN" altLang="en-US"/>
+          </a:p>
+        </p:txBody>
+      </p:sp>
+      <p:sp>
+        <p:nvSpPr>
+          <p:cNvPr id="4" name="内容占位符 3"/>
           <p:cNvSpPr>
             <a:spLocks noGrp="1"/>
           </p:cNvSpPr>
@@ -1623,6 +1412,7 @@
               <a:rPr lang="zh-CN" altLang="en-US"/>
               <a:t>单击此处编辑母版文本样式</a:t>
             </a:r>
+            <a:endParaRPr lang="zh-CN" altLang="en-US"/>
           </a:p>
           <a:p>
             <a:pPr lvl="1"/>
@@ -1630,6 +1420,7 @@
               <a:rPr lang="zh-CN" altLang="en-US"/>
               <a:t>二级</a:t>
             </a:r>
+            <a:endParaRPr lang="zh-CN" altLang="en-US"/>
           </a:p>
           <a:p>
             <a:pPr lvl="2"/>
@@ -1637,6 +1428,7 @@
               <a:rPr lang="zh-CN" altLang="en-US"/>
               <a:t>三级</a:t>
             </a:r>
+            <a:endParaRPr lang="zh-CN" altLang="en-US"/>
           </a:p>
           <a:p>
             <a:pPr lvl="3"/>
@@ -1644,6 +1436,7 @@
               <a:rPr lang="zh-CN" altLang="en-US"/>
               <a:t>四级</a:t>
             </a:r>
+            <a:endParaRPr lang="zh-CN" altLang="en-US"/>
           </a:p>
           <a:p>
             <a:pPr lvl="4"/>
@@ -1651,18 +1444,13 @@
               <a:rPr lang="zh-CN" altLang="en-US"/>
               <a:t>五级</a:t>
             </a:r>
-          </a:p>
-        </p:txBody>
-      </p:sp>
-      <p:sp>
-        <p:nvSpPr>
-          <p:cNvPr id="5" name="文本占位符 4">
-            <a:extLst>
-              <a:ext uri="{FF2B5EF4-FFF2-40B4-BE49-F238E27FC236}">
-                <a16:creationId xmlns:a16="http://schemas.microsoft.com/office/drawing/2014/main" id="{B1E83461-076C-4EAD-8F57-929658362C3C}"/>
-              </a:ext>
-            </a:extLst>
-          </p:cNvPr>
+            <a:endParaRPr lang="zh-CN" altLang="en-US"/>
+          </a:p>
+        </p:txBody>
+      </p:sp>
+      <p:sp>
+        <p:nvSpPr>
+          <p:cNvPr id="5" name="文本占位符 4"/>
           <p:cNvSpPr>
             <a:spLocks noGrp="1"/>
           </p:cNvSpPr>
@@ -1722,18 +1510,13 @@
               <a:rPr lang="zh-CN" altLang="en-US"/>
               <a:t>单击此处编辑母版文本样式</a:t>
             </a:r>
-          </a:p>
-        </p:txBody>
-      </p:sp>
-      <p:sp>
-        <p:nvSpPr>
-          <p:cNvPr id="6" name="内容占位符 5">
-            <a:extLst>
-              <a:ext uri="{FF2B5EF4-FFF2-40B4-BE49-F238E27FC236}">
-                <a16:creationId xmlns:a16="http://schemas.microsoft.com/office/drawing/2014/main" id="{664CCF4F-F8FD-46FB-BA4A-3D35055A49EB}"/>
-              </a:ext>
-            </a:extLst>
-          </p:cNvPr>
+            <a:endParaRPr lang="zh-CN" altLang="en-US"/>
+          </a:p>
+        </p:txBody>
+      </p:sp>
+      <p:sp>
+        <p:nvSpPr>
+          <p:cNvPr id="6" name="内容占位符 5"/>
           <p:cNvSpPr>
             <a:spLocks noGrp="1"/>
           </p:cNvSpPr>
@@ -1756,6 +1539,7 @@
               <a:rPr lang="zh-CN" altLang="en-US"/>
               <a:t>单击此处编辑母版文本样式</a:t>
             </a:r>
+            <a:endParaRPr lang="zh-CN" altLang="en-US"/>
           </a:p>
           <a:p>
             <a:pPr lvl="1"/>
@@ -1763,6 +1547,7 @@
               <a:rPr lang="zh-CN" altLang="en-US"/>
               <a:t>二级</a:t>
             </a:r>
+            <a:endParaRPr lang="zh-CN" altLang="en-US"/>
           </a:p>
           <a:p>
             <a:pPr lvl="2"/>
@@ -1770,6 +1555,7 @@
               <a:rPr lang="zh-CN" altLang="en-US"/>
               <a:t>三级</a:t>
             </a:r>
+            <a:endParaRPr lang="zh-CN" altLang="en-US"/>
           </a:p>
           <a:p>
             <a:pPr lvl="3"/>
@@ -1777,6 +1563,7 @@
               <a:rPr lang="zh-CN" altLang="en-US"/>
               <a:t>四级</a:t>
             </a:r>
+            <a:endParaRPr lang="zh-CN" altLang="en-US"/>
           </a:p>
           <a:p>
             <a:pPr lvl="4"/>
@@ -1784,18 +1571,13 @@
               <a:rPr lang="zh-CN" altLang="en-US"/>
               <a:t>五级</a:t>
             </a:r>
-          </a:p>
-        </p:txBody>
-      </p:sp>
-      <p:sp>
-        <p:nvSpPr>
-          <p:cNvPr id="7" name="日期占位符 6">
-            <a:extLst>
-              <a:ext uri="{FF2B5EF4-FFF2-40B4-BE49-F238E27FC236}">
-                <a16:creationId xmlns:a16="http://schemas.microsoft.com/office/drawing/2014/main" id="{683253A9-EB73-473A-A77D-458FBE052075}"/>
-              </a:ext>
-            </a:extLst>
-          </p:cNvPr>
+            <a:endParaRPr lang="zh-CN" altLang="en-US"/>
+          </a:p>
+        </p:txBody>
+      </p:sp>
+      <p:sp>
+        <p:nvSpPr>
+          <p:cNvPr id="7" name="日期占位符 6"/>
           <p:cNvSpPr>
             <a:spLocks noGrp="1"/>
           </p:cNvSpPr>
@@ -1810,7 +1592,6 @@
           <a:p>
             <a:fld id="{B1FFBBD3-5E39-4D4B-930A-3C66C62EBE63}" type="datetimeFigureOut">
               <a:rPr lang="zh-CN" altLang="en-US" smtClean="0"/>
-              <a:t>2020/11/20</a:t>
             </a:fld>
             <a:endParaRPr lang="zh-CN" altLang="en-US"/>
           </a:p>
@@ -1818,13 +1599,7 @@
       </p:sp>
       <p:sp>
         <p:nvSpPr>
-          <p:cNvPr id="8" name="页脚占位符 7">
-            <a:extLst>
-              <a:ext uri="{FF2B5EF4-FFF2-40B4-BE49-F238E27FC236}">
-                <a16:creationId xmlns:a16="http://schemas.microsoft.com/office/drawing/2014/main" id="{50970305-5087-4B75-9C8A-4469268262DD}"/>
-              </a:ext>
-            </a:extLst>
-          </p:cNvPr>
+          <p:cNvPr id="8" name="页脚占位符 7"/>
           <p:cNvSpPr>
             <a:spLocks noGrp="1"/>
           </p:cNvSpPr>
@@ -1843,13 +1618,7 @@
       </p:sp>
       <p:sp>
         <p:nvSpPr>
-          <p:cNvPr id="9" name="灯片编号占位符 8">
-            <a:extLst>
-              <a:ext uri="{FF2B5EF4-FFF2-40B4-BE49-F238E27FC236}">
-                <a16:creationId xmlns:a16="http://schemas.microsoft.com/office/drawing/2014/main" id="{E405986B-1B4F-4847-94FB-4042DD65AD04}"/>
-              </a:ext>
-            </a:extLst>
-          </p:cNvPr>
+          <p:cNvPr id="9" name="灯片编号占位符 8"/>
           <p:cNvSpPr>
             <a:spLocks noGrp="1"/>
           </p:cNvSpPr>
@@ -1864,18 +1633,12 @@
           <a:p>
             <a:fld id="{E150E3B7-6F42-475E-8C30-65D9D888FC9D}" type="slidenum">
               <a:rPr lang="zh-CN" altLang="en-US" smtClean="0"/>
-              <a:t>‹#›</a:t>
             </a:fld>
             <a:endParaRPr lang="zh-CN" altLang="en-US"/>
           </a:p>
         </p:txBody>
       </p:sp>
     </p:spTree>
-    <p:extLst>
-      <p:ext uri="{BB962C8B-B14F-4D97-AF65-F5344CB8AC3E}">
-        <p14:creationId xmlns:p14="http://schemas.microsoft.com/office/powerpoint/2010/main" val="3663335011"/>
-      </p:ext>
-    </p:extLst>
   </p:cSld>
   <p:clrMapOvr>
     <a:masterClrMapping/>
@@ -1902,13 +1665,7 @@
       </p:grpSpPr>
       <p:sp>
         <p:nvSpPr>
-          <p:cNvPr id="2" name="标题 1">
-            <a:extLst>
-              <a:ext uri="{FF2B5EF4-FFF2-40B4-BE49-F238E27FC236}">
-                <a16:creationId xmlns:a16="http://schemas.microsoft.com/office/drawing/2014/main" id="{F96FF945-D2DA-4ADF-8FF3-3C96FAA3186E}"/>
-              </a:ext>
-            </a:extLst>
-          </p:cNvPr>
+          <p:cNvPr id="2" name="标题 1"/>
           <p:cNvSpPr>
             <a:spLocks noGrp="1"/>
           </p:cNvSpPr>
@@ -1925,18 +1682,13 @@
               <a:rPr lang="zh-CN" altLang="en-US"/>
               <a:t>单击此处编辑母版标题样式</a:t>
             </a:r>
-          </a:p>
-        </p:txBody>
-      </p:sp>
-      <p:sp>
-        <p:nvSpPr>
-          <p:cNvPr id="3" name="日期占位符 2">
-            <a:extLst>
-              <a:ext uri="{FF2B5EF4-FFF2-40B4-BE49-F238E27FC236}">
-                <a16:creationId xmlns:a16="http://schemas.microsoft.com/office/drawing/2014/main" id="{98C915FD-CC02-4628-B93B-7313C34508E2}"/>
-              </a:ext>
-            </a:extLst>
-          </p:cNvPr>
+            <a:endParaRPr lang="zh-CN" altLang="en-US"/>
+          </a:p>
+        </p:txBody>
+      </p:sp>
+      <p:sp>
+        <p:nvSpPr>
+          <p:cNvPr id="3" name="日期占位符 2"/>
           <p:cNvSpPr>
             <a:spLocks noGrp="1"/>
           </p:cNvSpPr>
@@ -1951,7 +1703,6 @@
           <a:p>
             <a:fld id="{B1FFBBD3-5E39-4D4B-930A-3C66C62EBE63}" type="datetimeFigureOut">
               <a:rPr lang="zh-CN" altLang="en-US" smtClean="0"/>
-              <a:t>2020/11/20</a:t>
             </a:fld>
             <a:endParaRPr lang="zh-CN" altLang="en-US"/>
           </a:p>
@@ -1959,13 +1710,7 @@
       </p:sp>
       <p:sp>
         <p:nvSpPr>
-          <p:cNvPr id="4" name="页脚占位符 3">
-            <a:extLst>
-              <a:ext uri="{FF2B5EF4-FFF2-40B4-BE49-F238E27FC236}">
-                <a16:creationId xmlns:a16="http://schemas.microsoft.com/office/drawing/2014/main" id="{D00D8B3D-FB7C-4BA3-8363-AE0214CA1A68}"/>
-              </a:ext>
-            </a:extLst>
-          </p:cNvPr>
+          <p:cNvPr id="4" name="页脚占位符 3"/>
           <p:cNvSpPr>
             <a:spLocks noGrp="1"/>
           </p:cNvSpPr>
@@ -1984,13 +1729,7 @@
       </p:sp>
       <p:sp>
         <p:nvSpPr>
-          <p:cNvPr id="5" name="灯片编号占位符 4">
-            <a:extLst>
-              <a:ext uri="{FF2B5EF4-FFF2-40B4-BE49-F238E27FC236}">
-                <a16:creationId xmlns:a16="http://schemas.microsoft.com/office/drawing/2014/main" id="{981DE7C6-7BCB-492D-AAF9-46BDAF02FD73}"/>
-              </a:ext>
-            </a:extLst>
-          </p:cNvPr>
+          <p:cNvPr id="5" name="灯片编号占位符 4"/>
           <p:cNvSpPr>
             <a:spLocks noGrp="1"/>
           </p:cNvSpPr>
@@ -2005,18 +1744,12 @@
           <a:p>
             <a:fld id="{E150E3B7-6F42-475E-8C30-65D9D888FC9D}" type="slidenum">
               <a:rPr lang="zh-CN" altLang="en-US" smtClean="0"/>
-              <a:t>‹#›</a:t>
             </a:fld>
             <a:endParaRPr lang="zh-CN" altLang="en-US"/>
           </a:p>
         </p:txBody>
       </p:sp>
     </p:spTree>
-    <p:extLst>
-      <p:ext uri="{BB962C8B-B14F-4D97-AF65-F5344CB8AC3E}">
-        <p14:creationId xmlns:p14="http://schemas.microsoft.com/office/powerpoint/2010/main" val="910377705"/>
-      </p:ext>
-    </p:extLst>
   </p:cSld>
   <p:clrMapOvr>
     <a:masterClrMapping/>
@@ -2043,13 +1776,7 @@
       </p:grpSpPr>
       <p:sp>
         <p:nvSpPr>
-          <p:cNvPr id="2" name="日期占位符 1">
-            <a:extLst>
-              <a:ext uri="{FF2B5EF4-FFF2-40B4-BE49-F238E27FC236}">
-                <a16:creationId xmlns:a16="http://schemas.microsoft.com/office/drawing/2014/main" id="{5DDB9D31-12CC-43FD-9D47-DC004B9D6A9D}"/>
-              </a:ext>
-            </a:extLst>
-          </p:cNvPr>
+          <p:cNvPr id="2" name="日期占位符 1"/>
           <p:cNvSpPr>
             <a:spLocks noGrp="1"/>
           </p:cNvSpPr>
@@ -2064,7 +1791,6 @@
           <a:p>
             <a:fld id="{B1FFBBD3-5E39-4D4B-930A-3C66C62EBE63}" type="datetimeFigureOut">
               <a:rPr lang="zh-CN" altLang="en-US" smtClean="0"/>
-              <a:t>2020/11/20</a:t>
             </a:fld>
             <a:endParaRPr lang="zh-CN" altLang="en-US"/>
           </a:p>
@@ -2072,13 +1798,7 @@
       </p:sp>
       <p:sp>
         <p:nvSpPr>
-          <p:cNvPr id="3" name="页脚占位符 2">
-            <a:extLst>
-              <a:ext uri="{FF2B5EF4-FFF2-40B4-BE49-F238E27FC236}">
-                <a16:creationId xmlns:a16="http://schemas.microsoft.com/office/drawing/2014/main" id="{D1B5D4FE-88C2-49E0-BAFA-A55CBAE0214D}"/>
-              </a:ext>
-            </a:extLst>
-          </p:cNvPr>
+          <p:cNvPr id="3" name="页脚占位符 2"/>
           <p:cNvSpPr>
             <a:spLocks noGrp="1"/>
           </p:cNvSpPr>
@@ -2097,13 +1817,7 @@
       </p:sp>
       <p:sp>
         <p:nvSpPr>
-          <p:cNvPr id="4" name="灯片编号占位符 3">
-            <a:extLst>
-              <a:ext uri="{FF2B5EF4-FFF2-40B4-BE49-F238E27FC236}">
-                <a16:creationId xmlns:a16="http://schemas.microsoft.com/office/drawing/2014/main" id="{5278E68E-D3BF-476F-81E9-9BDF41D92374}"/>
-              </a:ext>
-            </a:extLst>
-          </p:cNvPr>
+          <p:cNvPr id="4" name="灯片编号占位符 3"/>
           <p:cNvSpPr>
             <a:spLocks noGrp="1"/>
           </p:cNvSpPr>
@@ -2118,18 +1832,12 @@
           <a:p>
             <a:fld id="{E150E3B7-6F42-475E-8C30-65D9D888FC9D}" type="slidenum">
               <a:rPr lang="zh-CN" altLang="en-US" smtClean="0"/>
-              <a:t>‹#›</a:t>
             </a:fld>
             <a:endParaRPr lang="zh-CN" altLang="en-US"/>
           </a:p>
         </p:txBody>
       </p:sp>
     </p:spTree>
-    <p:extLst>
-      <p:ext uri="{BB962C8B-B14F-4D97-AF65-F5344CB8AC3E}">
-        <p14:creationId xmlns:p14="http://schemas.microsoft.com/office/powerpoint/2010/main" val="264579830"/>
-      </p:ext>
-    </p:extLst>
   </p:cSld>
   <p:clrMapOvr>
     <a:masterClrMapping/>
@@ -2156,13 +1864,7 @@
       </p:grpSpPr>
       <p:sp>
         <p:nvSpPr>
-          <p:cNvPr id="2" name="标题 1">
-            <a:extLst>
-              <a:ext uri="{FF2B5EF4-FFF2-40B4-BE49-F238E27FC236}">
-                <a16:creationId xmlns:a16="http://schemas.microsoft.com/office/drawing/2014/main" id="{57606D04-2492-4C85-B46F-E61CCD411DF9}"/>
-              </a:ext>
-            </a:extLst>
-          </p:cNvPr>
+          <p:cNvPr id="2" name="标题 1"/>
           <p:cNvSpPr>
             <a:spLocks noGrp="1"/>
           </p:cNvSpPr>
@@ -2188,18 +1890,13 @@
               <a:rPr lang="zh-CN" altLang="en-US"/>
               <a:t>单击此处编辑母版标题样式</a:t>
             </a:r>
-          </a:p>
-        </p:txBody>
-      </p:sp>
-      <p:sp>
-        <p:nvSpPr>
-          <p:cNvPr id="3" name="内容占位符 2">
-            <a:extLst>
-              <a:ext uri="{FF2B5EF4-FFF2-40B4-BE49-F238E27FC236}">
-                <a16:creationId xmlns:a16="http://schemas.microsoft.com/office/drawing/2014/main" id="{F171B90C-30D3-4355-9B7D-109376B58CF9}"/>
-              </a:ext>
-            </a:extLst>
-          </p:cNvPr>
+            <a:endParaRPr lang="zh-CN" altLang="en-US"/>
+          </a:p>
+        </p:txBody>
+      </p:sp>
+      <p:sp>
+        <p:nvSpPr>
+          <p:cNvPr id="3" name="内容占位符 2"/>
           <p:cNvSpPr>
             <a:spLocks noGrp="1"/>
           </p:cNvSpPr>
@@ -2250,6 +1947,7 @@
               <a:rPr lang="zh-CN" altLang="en-US"/>
               <a:t>单击此处编辑母版文本样式</a:t>
             </a:r>
+            <a:endParaRPr lang="zh-CN" altLang="en-US"/>
           </a:p>
           <a:p>
             <a:pPr lvl="1"/>
@@ -2257,6 +1955,7 @@
               <a:rPr lang="zh-CN" altLang="en-US"/>
               <a:t>二级</a:t>
             </a:r>
+            <a:endParaRPr lang="zh-CN" altLang="en-US"/>
           </a:p>
           <a:p>
             <a:pPr lvl="2"/>
@@ -2264,6 +1963,7 @@
               <a:rPr lang="zh-CN" altLang="en-US"/>
               <a:t>三级</a:t>
             </a:r>
+            <a:endParaRPr lang="zh-CN" altLang="en-US"/>
           </a:p>
           <a:p>
             <a:pPr lvl="3"/>
@@ -2271,6 +1971,7 @@
               <a:rPr lang="zh-CN" altLang="en-US"/>
               <a:t>四级</a:t>
             </a:r>
+            <a:endParaRPr lang="zh-CN" altLang="en-US"/>
           </a:p>
           <a:p>
             <a:pPr lvl="4"/>
@@ -2278,18 +1979,13 @@
               <a:rPr lang="zh-CN" altLang="en-US"/>
               <a:t>五级</a:t>
             </a:r>
-          </a:p>
-        </p:txBody>
-      </p:sp>
-      <p:sp>
-        <p:nvSpPr>
-          <p:cNvPr id="4" name="文本占位符 3">
-            <a:extLst>
-              <a:ext uri="{FF2B5EF4-FFF2-40B4-BE49-F238E27FC236}">
-                <a16:creationId xmlns:a16="http://schemas.microsoft.com/office/drawing/2014/main" id="{906086C5-24B8-4DF4-8765-7A2F70A8B7D3}"/>
-              </a:ext>
-            </a:extLst>
-          </p:cNvPr>
+            <a:endParaRPr lang="zh-CN" altLang="en-US"/>
+          </a:p>
+        </p:txBody>
+      </p:sp>
+      <p:sp>
+        <p:nvSpPr>
+          <p:cNvPr id="4" name="文本占位符 3"/>
           <p:cNvSpPr>
             <a:spLocks noGrp="1"/>
           </p:cNvSpPr>
@@ -2349,18 +2045,13 @@
               <a:rPr lang="zh-CN" altLang="en-US"/>
               <a:t>单击此处编辑母版文本样式</a:t>
             </a:r>
-          </a:p>
-        </p:txBody>
-      </p:sp>
-      <p:sp>
-        <p:nvSpPr>
-          <p:cNvPr id="5" name="日期占位符 4">
-            <a:extLst>
-              <a:ext uri="{FF2B5EF4-FFF2-40B4-BE49-F238E27FC236}">
-                <a16:creationId xmlns:a16="http://schemas.microsoft.com/office/drawing/2014/main" id="{C2978561-8642-42EB-BAE7-BC3D17376034}"/>
-              </a:ext>
-            </a:extLst>
-          </p:cNvPr>
+            <a:endParaRPr lang="zh-CN" altLang="en-US"/>
+          </a:p>
+        </p:txBody>
+      </p:sp>
+      <p:sp>
+        <p:nvSpPr>
+          <p:cNvPr id="5" name="日期占位符 4"/>
           <p:cNvSpPr>
             <a:spLocks noGrp="1"/>
           </p:cNvSpPr>
@@ -2375,7 +2066,6 @@
           <a:p>
             <a:fld id="{B1FFBBD3-5E39-4D4B-930A-3C66C62EBE63}" type="datetimeFigureOut">
               <a:rPr lang="zh-CN" altLang="en-US" smtClean="0"/>
-              <a:t>2020/11/20</a:t>
             </a:fld>
             <a:endParaRPr lang="zh-CN" altLang="en-US"/>
           </a:p>
@@ -2383,13 +2073,7 @@
       </p:sp>
       <p:sp>
         <p:nvSpPr>
-          <p:cNvPr id="6" name="页脚占位符 5">
-            <a:extLst>
-              <a:ext uri="{FF2B5EF4-FFF2-40B4-BE49-F238E27FC236}">
-                <a16:creationId xmlns:a16="http://schemas.microsoft.com/office/drawing/2014/main" id="{9A4F29B8-BB33-4A6B-940A-E6F73C7CB66F}"/>
-              </a:ext>
-            </a:extLst>
-          </p:cNvPr>
+          <p:cNvPr id="6" name="页脚占位符 5"/>
           <p:cNvSpPr>
             <a:spLocks noGrp="1"/>
           </p:cNvSpPr>
@@ -2408,13 +2092,7 @@
       </p:sp>
       <p:sp>
         <p:nvSpPr>
-          <p:cNvPr id="7" name="灯片编号占位符 6">
-            <a:extLst>
-              <a:ext uri="{FF2B5EF4-FFF2-40B4-BE49-F238E27FC236}">
-                <a16:creationId xmlns:a16="http://schemas.microsoft.com/office/drawing/2014/main" id="{2737F1BA-B37E-49B0-BA59-BB43FD8C9BED}"/>
-              </a:ext>
-            </a:extLst>
-          </p:cNvPr>
+          <p:cNvPr id="7" name="灯片编号占位符 6"/>
           <p:cNvSpPr>
             <a:spLocks noGrp="1"/>
           </p:cNvSpPr>
@@ -2429,18 +2107,12 @@
           <a:p>
             <a:fld id="{E150E3B7-6F42-475E-8C30-65D9D888FC9D}" type="slidenum">
               <a:rPr lang="zh-CN" altLang="en-US" smtClean="0"/>
-              <a:t>‹#›</a:t>
             </a:fld>
             <a:endParaRPr lang="zh-CN" altLang="en-US"/>
           </a:p>
         </p:txBody>
       </p:sp>
     </p:spTree>
-    <p:extLst>
-      <p:ext uri="{BB962C8B-B14F-4D97-AF65-F5344CB8AC3E}">
-        <p14:creationId xmlns:p14="http://schemas.microsoft.com/office/powerpoint/2010/main" val="1130541494"/>
-      </p:ext>
-    </p:extLst>
   </p:cSld>
   <p:clrMapOvr>
     <a:masterClrMapping/>
@@ -2467,13 +2139,7 @@
       </p:grpSpPr>
       <p:sp>
         <p:nvSpPr>
-          <p:cNvPr id="2" name="标题 1">
-            <a:extLst>
-              <a:ext uri="{FF2B5EF4-FFF2-40B4-BE49-F238E27FC236}">
-                <a16:creationId xmlns:a16="http://schemas.microsoft.com/office/drawing/2014/main" id="{19AC1220-7586-4D4C-9924-9C0231C1F2D7}"/>
-              </a:ext>
-            </a:extLst>
-          </p:cNvPr>
+          <p:cNvPr id="2" name="标题 1"/>
           <p:cNvSpPr>
             <a:spLocks noGrp="1"/>
           </p:cNvSpPr>
@@ -2499,18 +2165,13 @@
               <a:rPr lang="zh-CN" altLang="en-US"/>
               <a:t>单击此处编辑母版标题样式</a:t>
             </a:r>
-          </a:p>
-        </p:txBody>
-      </p:sp>
-      <p:sp>
-        <p:nvSpPr>
-          <p:cNvPr id="3" name="图片占位符 2">
-            <a:extLst>
-              <a:ext uri="{FF2B5EF4-FFF2-40B4-BE49-F238E27FC236}">
-                <a16:creationId xmlns:a16="http://schemas.microsoft.com/office/drawing/2014/main" id="{B4F89392-BBCC-4910-BDE6-9A07892FCDB6}"/>
-              </a:ext>
-            </a:extLst>
-          </p:cNvPr>
+            <a:endParaRPr lang="zh-CN" altLang="en-US"/>
+          </a:p>
+        </p:txBody>
+      </p:sp>
+      <p:sp>
+        <p:nvSpPr>
+          <p:cNvPr id="3" name="图片占位符 2"/>
           <p:cNvSpPr>
             <a:spLocks noGrp="1"/>
           </p:cNvSpPr>
@@ -2571,13 +2232,7 @@
       </p:sp>
       <p:sp>
         <p:nvSpPr>
-          <p:cNvPr id="4" name="文本占位符 3">
-            <a:extLst>
-              <a:ext uri="{FF2B5EF4-FFF2-40B4-BE49-F238E27FC236}">
-                <a16:creationId xmlns:a16="http://schemas.microsoft.com/office/drawing/2014/main" id="{62E80DAD-CE5E-41F2-A238-A43C075EAB54}"/>
-              </a:ext>
-            </a:extLst>
-          </p:cNvPr>
+          <p:cNvPr id="4" name="文本占位符 3"/>
           <p:cNvSpPr>
             <a:spLocks noGrp="1"/>
           </p:cNvSpPr>
@@ -2637,18 +2292,13 @@
               <a:rPr lang="zh-CN" altLang="en-US"/>
               <a:t>单击此处编辑母版文本样式</a:t>
             </a:r>
-          </a:p>
-        </p:txBody>
-      </p:sp>
-      <p:sp>
-        <p:nvSpPr>
-          <p:cNvPr id="5" name="日期占位符 4">
-            <a:extLst>
-              <a:ext uri="{FF2B5EF4-FFF2-40B4-BE49-F238E27FC236}">
-                <a16:creationId xmlns:a16="http://schemas.microsoft.com/office/drawing/2014/main" id="{B483EBA1-B17F-4E40-A335-5681D48BA17C}"/>
-              </a:ext>
-            </a:extLst>
-          </p:cNvPr>
+            <a:endParaRPr lang="zh-CN" altLang="en-US"/>
+          </a:p>
+        </p:txBody>
+      </p:sp>
+      <p:sp>
+        <p:nvSpPr>
+          <p:cNvPr id="5" name="日期占位符 4"/>
           <p:cNvSpPr>
             <a:spLocks noGrp="1"/>
           </p:cNvSpPr>
@@ -2663,7 +2313,6 @@
           <a:p>
             <a:fld id="{B1FFBBD3-5E39-4D4B-930A-3C66C62EBE63}" type="datetimeFigureOut">
               <a:rPr lang="zh-CN" altLang="en-US" smtClean="0"/>
-              <a:t>2020/11/20</a:t>
             </a:fld>
             <a:endParaRPr lang="zh-CN" altLang="en-US"/>
           </a:p>
@@ -2671,13 +2320,7 @@
       </p:sp>
       <p:sp>
         <p:nvSpPr>
-          <p:cNvPr id="6" name="页脚占位符 5">
-            <a:extLst>
-              <a:ext uri="{FF2B5EF4-FFF2-40B4-BE49-F238E27FC236}">
-                <a16:creationId xmlns:a16="http://schemas.microsoft.com/office/drawing/2014/main" id="{B777602E-33A6-4284-9A42-25FEE9459292}"/>
-              </a:ext>
-            </a:extLst>
-          </p:cNvPr>
+          <p:cNvPr id="6" name="页脚占位符 5"/>
           <p:cNvSpPr>
             <a:spLocks noGrp="1"/>
           </p:cNvSpPr>
@@ -2696,13 +2339,7 @@
       </p:sp>
       <p:sp>
         <p:nvSpPr>
-          <p:cNvPr id="7" name="灯片编号占位符 6">
-            <a:extLst>
-              <a:ext uri="{FF2B5EF4-FFF2-40B4-BE49-F238E27FC236}">
-                <a16:creationId xmlns:a16="http://schemas.microsoft.com/office/drawing/2014/main" id="{DF58073A-BEAA-4398-8B34-71F380AB4D06}"/>
-              </a:ext>
-            </a:extLst>
-          </p:cNvPr>
+          <p:cNvPr id="7" name="灯片编号占位符 6"/>
           <p:cNvSpPr>
             <a:spLocks noGrp="1"/>
           </p:cNvSpPr>
@@ -2717,18 +2354,12 @@
           <a:p>
             <a:fld id="{E150E3B7-6F42-475E-8C30-65D9D888FC9D}" type="slidenum">
               <a:rPr lang="zh-CN" altLang="en-US" smtClean="0"/>
-              <a:t>‹#›</a:t>
             </a:fld>
             <a:endParaRPr lang="zh-CN" altLang="en-US"/>
           </a:p>
         </p:txBody>
       </p:sp>
     </p:spTree>
-    <p:extLst>
-      <p:ext uri="{BB962C8B-B14F-4D97-AF65-F5344CB8AC3E}">
-        <p14:creationId xmlns:p14="http://schemas.microsoft.com/office/powerpoint/2010/main" val="125033974"/>
-      </p:ext>
-    </p:extLst>
   </p:cSld>
   <p:clrMapOvr>
     <a:masterClrMapping/>
@@ -2760,13 +2391,7 @@
       </p:grpSpPr>
       <p:sp>
         <p:nvSpPr>
-          <p:cNvPr id="2" name="标题占位符 1">
-            <a:extLst>
-              <a:ext uri="{FF2B5EF4-FFF2-40B4-BE49-F238E27FC236}">
-                <a16:creationId xmlns:a16="http://schemas.microsoft.com/office/drawing/2014/main" id="{185031F7-CD89-48D4-B600-D0548C6154EF}"/>
-              </a:ext>
-            </a:extLst>
-          </p:cNvPr>
+          <p:cNvPr id="2" name="标题占位符 1"/>
           <p:cNvSpPr>
             <a:spLocks noGrp="1"/>
           </p:cNvSpPr>
@@ -2793,18 +2418,13 @@
               <a:rPr lang="zh-CN" altLang="en-US"/>
               <a:t>单击此处编辑母版标题样式</a:t>
             </a:r>
-          </a:p>
-        </p:txBody>
-      </p:sp>
-      <p:sp>
-        <p:nvSpPr>
-          <p:cNvPr id="3" name="文本占位符 2">
-            <a:extLst>
-              <a:ext uri="{FF2B5EF4-FFF2-40B4-BE49-F238E27FC236}">
-                <a16:creationId xmlns:a16="http://schemas.microsoft.com/office/drawing/2014/main" id="{C43F3710-08D5-49E4-A755-B6128DF8811E}"/>
-              </a:ext>
-            </a:extLst>
-          </p:cNvPr>
+            <a:endParaRPr lang="zh-CN" altLang="en-US"/>
+          </a:p>
+        </p:txBody>
+      </p:sp>
+      <p:sp>
+        <p:nvSpPr>
+          <p:cNvPr id="3" name="文本占位符 2"/>
           <p:cNvSpPr>
             <a:spLocks noGrp="1"/>
           </p:cNvSpPr>
@@ -2832,6 +2452,7 @@
               <a:rPr lang="zh-CN" altLang="en-US"/>
               <a:t>单击此处编辑母版文本样式</a:t>
             </a:r>
+            <a:endParaRPr lang="zh-CN" altLang="en-US"/>
           </a:p>
           <a:p>
             <a:pPr lvl="1"/>
@@ -2839,6 +2460,7 @@
               <a:rPr lang="zh-CN" altLang="en-US"/>
               <a:t>二级</a:t>
             </a:r>
+            <a:endParaRPr lang="zh-CN" altLang="en-US"/>
           </a:p>
           <a:p>
             <a:pPr lvl="2"/>
@@ -2846,6 +2468,7 @@
               <a:rPr lang="zh-CN" altLang="en-US"/>
               <a:t>三级</a:t>
             </a:r>
+            <a:endParaRPr lang="zh-CN" altLang="en-US"/>
           </a:p>
           <a:p>
             <a:pPr lvl="3"/>
@@ -2853,6 +2476,7 @@
               <a:rPr lang="zh-CN" altLang="en-US"/>
               <a:t>四级</a:t>
             </a:r>
+            <a:endParaRPr lang="zh-CN" altLang="en-US"/>
           </a:p>
           <a:p>
             <a:pPr lvl="4"/>
@@ -2860,18 +2484,13 @@
               <a:rPr lang="zh-CN" altLang="en-US"/>
               <a:t>五级</a:t>
             </a:r>
-          </a:p>
-        </p:txBody>
-      </p:sp>
-      <p:sp>
-        <p:nvSpPr>
-          <p:cNvPr id="4" name="日期占位符 3">
-            <a:extLst>
-              <a:ext uri="{FF2B5EF4-FFF2-40B4-BE49-F238E27FC236}">
-                <a16:creationId xmlns:a16="http://schemas.microsoft.com/office/drawing/2014/main" id="{2C56ABC2-CCCA-4ADC-A58C-0367C48BDFAA}"/>
-              </a:ext>
-            </a:extLst>
-          </p:cNvPr>
+            <a:endParaRPr lang="zh-CN" altLang="en-US"/>
+          </a:p>
+        </p:txBody>
+      </p:sp>
+      <p:sp>
+        <p:nvSpPr>
+          <p:cNvPr id="4" name="日期占位符 3"/>
           <p:cNvSpPr>
             <a:spLocks noGrp="1"/>
           </p:cNvSpPr>
@@ -2904,7 +2523,6 @@
           <a:p>
             <a:fld id="{B1FFBBD3-5E39-4D4B-930A-3C66C62EBE63}" type="datetimeFigureOut">
               <a:rPr lang="zh-CN" altLang="en-US" smtClean="0"/>
-              <a:t>2020/11/20</a:t>
             </a:fld>
             <a:endParaRPr lang="zh-CN" altLang="en-US"/>
           </a:p>
@@ -2912,13 +2530,7 @@
       </p:sp>
       <p:sp>
         <p:nvSpPr>
-          <p:cNvPr id="5" name="页脚占位符 4">
-            <a:extLst>
-              <a:ext uri="{FF2B5EF4-FFF2-40B4-BE49-F238E27FC236}">
-                <a16:creationId xmlns:a16="http://schemas.microsoft.com/office/drawing/2014/main" id="{27600975-6F4F-416B-9059-88109A6B46C9}"/>
-              </a:ext>
-            </a:extLst>
-          </p:cNvPr>
+          <p:cNvPr id="5" name="页脚占位符 4"/>
           <p:cNvSpPr>
             <a:spLocks noGrp="1"/>
           </p:cNvSpPr>
@@ -2955,13 +2567,7 @@
       </p:sp>
       <p:sp>
         <p:nvSpPr>
-          <p:cNvPr id="6" name="灯片编号占位符 5">
-            <a:extLst>
-              <a:ext uri="{FF2B5EF4-FFF2-40B4-BE49-F238E27FC236}">
-                <a16:creationId xmlns:a16="http://schemas.microsoft.com/office/drawing/2014/main" id="{90346122-13F5-40A9-A4B2-4C370ACF48FE}"/>
-              </a:ext>
-            </a:extLst>
-          </p:cNvPr>
+          <p:cNvPr id="6" name="灯片编号占位符 5"/>
           <p:cNvSpPr>
             <a:spLocks noGrp="1"/>
           </p:cNvSpPr>
@@ -2994,18 +2600,12 @@
           <a:p>
             <a:fld id="{E150E3B7-6F42-475E-8C30-65D9D888FC9D}" type="slidenum">
               <a:rPr lang="zh-CN" altLang="en-US" smtClean="0"/>
-              <a:t>‹#›</a:t>
             </a:fld>
             <a:endParaRPr lang="zh-CN" altLang="en-US"/>
           </a:p>
         </p:txBody>
       </p:sp>
     </p:spTree>
-    <p:extLst>
-      <p:ext uri="{BB962C8B-B14F-4D97-AF65-F5344CB8AC3E}">
-        <p14:creationId xmlns:p14="http://schemas.microsoft.com/office/powerpoint/2010/main" val="8399226"/>
-      </p:ext>
-    </p:extLst>
   </p:cSld>
   <p:clrMap bg1="lt1" tx1="dk1" bg2="lt2" tx2="dk2" accent1="accent1" accent2="accent2" accent3="accent3" accent4="accent4" accent5="accent5" accent6="accent6" hlink="hlink" folHlink="folHlink"/>
   <p:sldLayoutIdLst>
@@ -3323,13 +2923,7 @@
       </p:grpSpPr>
       <p:sp>
         <p:nvSpPr>
-          <p:cNvPr id="5" name="椭圆 4">
-            <a:extLst>
-              <a:ext uri="{FF2B5EF4-FFF2-40B4-BE49-F238E27FC236}">
-                <a16:creationId xmlns:a16="http://schemas.microsoft.com/office/drawing/2014/main" id="{28529DCB-7B78-48DD-94A1-E6E9882F5E28}"/>
-              </a:ext>
-            </a:extLst>
-          </p:cNvPr>
+          <p:cNvPr id="5" name="椭圆 4"/>
           <p:cNvSpPr/>
           <p:nvPr/>
         </p:nvSpPr>
@@ -3384,13 +2978,7 @@
       </p:sp>
       <p:sp>
         <p:nvSpPr>
-          <p:cNvPr id="6" name="椭圆 5">
-            <a:extLst>
-              <a:ext uri="{FF2B5EF4-FFF2-40B4-BE49-F238E27FC236}">
-                <a16:creationId xmlns:a16="http://schemas.microsoft.com/office/drawing/2014/main" id="{E9063E13-FDC0-4F11-90E0-2501A8323098}"/>
-              </a:ext>
-            </a:extLst>
-          </p:cNvPr>
+          <p:cNvPr id="6" name="椭圆 5"/>
           <p:cNvSpPr/>
           <p:nvPr/>
         </p:nvSpPr>
@@ -3445,13 +3033,7 @@
       </p:sp>
       <p:sp>
         <p:nvSpPr>
-          <p:cNvPr id="7" name="椭圆 6">
-            <a:extLst>
-              <a:ext uri="{FF2B5EF4-FFF2-40B4-BE49-F238E27FC236}">
-                <a16:creationId xmlns:a16="http://schemas.microsoft.com/office/drawing/2014/main" id="{EDFE6E2D-9225-47A1-BBDC-275F1E3F40FF}"/>
-              </a:ext>
-            </a:extLst>
-          </p:cNvPr>
+          <p:cNvPr id="7" name="椭圆 6"/>
           <p:cNvSpPr/>
           <p:nvPr/>
         </p:nvSpPr>
@@ -3506,13 +3088,7 @@
       </p:sp>
       <p:sp>
         <p:nvSpPr>
-          <p:cNvPr id="8" name="椭圆 7">
-            <a:extLst>
-              <a:ext uri="{FF2B5EF4-FFF2-40B4-BE49-F238E27FC236}">
-                <a16:creationId xmlns:a16="http://schemas.microsoft.com/office/drawing/2014/main" id="{6D13AAC3-0BDE-4BB1-BBFF-7C792BDC2978}"/>
-              </a:ext>
-            </a:extLst>
-          </p:cNvPr>
+          <p:cNvPr id="8" name="椭圆 7"/>
           <p:cNvSpPr/>
           <p:nvPr/>
         </p:nvSpPr>
@@ -3567,13 +3143,7 @@
       </p:sp>
       <p:sp>
         <p:nvSpPr>
-          <p:cNvPr id="9" name="椭圆 8">
-            <a:extLst>
-              <a:ext uri="{FF2B5EF4-FFF2-40B4-BE49-F238E27FC236}">
-                <a16:creationId xmlns:a16="http://schemas.microsoft.com/office/drawing/2014/main" id="{4D8A936D-38AD-4E5F-A5CE-8B7C73E9A27F}"/>
-              </a:ext>
-            </a:extLst>
-          </p:cNvPr>
+          <p:cNvPr id="9" name="椭圆 8"/>
           <p:cNvSpPr/>
           <p:nvPr/>
         </p:nvSpPr>
@@ -3628,13 +3198,7 @@
       </p:sp>
       <p:sp>
         <p:nvSpPr>
-          <p:cNvPr id="10" name="椭圆 9">
-            <a:extLst>
-              <a:ext uri="{FF2B5EF4-FFF2-40B4-BE49-F238E27FC236}">
-                <a16:creationId xmlns:a16="http://schemas.microsoft.com/office/drawing/2014/main" id="{DFA583AA-1B74-4E33-A9C6-36A6B2A07297}"/>
-              </a:ext>
-            </a:extLst>
-          </p:cNvPr>
+          <p:cNvPr id="10" name="椭圆 9"/>
           <p:cNvSpPr/>
           <p:nvPr/>
         </p:nvSpPr>
@@ -3689,13 +3253,7 @@
       </p:sp>
       <p:sp>
         <p:nvSpPr>
-          <p:cNvPr id="11" name="椭圆 10">
-            <a:extLst>
-              <a:ext uri="{FF2B5EF4-FFF2-40B4-BE49-F238E27FC236}">
-                <a16:creationId xmlns:a16="http://schemas.microsoft.com/office/drawing/2014/main" id="{BDE8DA4A-4219-4D6C-952D-480C8209759B}"/>
-              </a:ext>
-            </a:extLst>
-          </p:cNvPr>
+          <p:cNvPr id="11" name="椭圆 10"/>
           <p:cNvSpPr/>
           <p:nvPr/>
         </p:nvSpPr>
@@ -3750,13 +3308,7 @@
       </p:sp>
       <p:sp>
         <p:nvSpPr>
-          <p:cNvPr id="12" name="椭圆 11">
-            <a:extLst>
-              <a:ext uri="{FF2B5EF4-FFF2-40B4-BE49-F238E27FC236}">
-                <a16:creationId xmlns:a16="http://schemas.microsoft.com/office/drawing/2014/main" id="{23A49E9E-2D9C-41BA-9935-DBDEF20D1E22}"/>
-              </a:ext>
-            </a:extLst>
-          </p:cNvPr>
+          <p:cNvPr id="12" name="椭圆 11"/>
           <p:cNvSpPr/>
           <p:nvPr/>
         </p:nvSpPr>
@@ -3811,13 +3363,7 @@
       </p:sp>
       <p:sp>
         <p:nvSpPr>
-          <p:cNvPr id="13" name="椭圆 12">
-            <a:extLst>
-              <a:ext uri="{FF2B5EF4-FFF2-40B4-BE49-F238E27FC236}">
-                <a16:creationId xmlns:a16="http://schemas.microsoft.com/office/drawing/2014/main" id="{0C191C2F-EB21-4A67-8D22-DC191102397C}"/>
-              </a:ext>
-            </a:extLst>
-          </p:cNvPr>
+          <p:cNvPr id="13" name="椭圆 12"/>
           <p:cNvSpPr/>
           <p:nvPr/>
         </p:nvSpPr>
@@ -3872,13 +3418,7 @@
       </p:sp>
       <p:cxnSp>
         <p:nvCxnSpPr>
-          <p:cNvPr id="15" name="直接箭头连接符 14">
-            <a:extLst>
-              <a:ext uri="{FF2B5EF4-FFF2-40B4-BE49-F238E27FC236}">
-                <a16:creationId xmlns:a16="http://schemas.microsoft.com/office/drawing/2014/main" id="{C4DB5BCC-BD9D-4086-A171-ACD83613EEDF}"/>
-              </a:ext>
-            </a:extLst>
-          </p:cNvPr>
+          <p:cNvPr id="15" name="直接箭头连接符 14"/>
           <p:cNvCxnSpPr>
             <a:stCxn id="5" idx="3"/>
             <a:endCxn id="6" idx="7"/>
@@ -3914,13 +3454,7 @@
       </p:cxnSp>
       <p:cxnSp>
         <p:nvCxnSpPr>
-          <p:cNvPr id="20" name="直接箭头连接符 19">
-            <a:extLst>
-              <a:ext uri="{FF2B5EF4-FFF2-40B4-BE49-F238E27FC236}">
-                <a16:creationId xmlns:a16="http://schemas.microsoft.com/office/drawing/2014/main" id="{CECC1BDE-EAFB-4450-B616-B18E4D516BEE}"/>
-              </a:ext>
-            </a:extLst>
-          </p:cNvPr>
+          <p:cNvPr id="20" name="直接箭头连接符 19"/>
           <p:cNvCxnSpPr>
             <a:stCxn id="5" idx="5"/>
             <a:endCxn id="7" idx="1"/>
@@ -3956,13 +3490,7 @@
       </p:cxnSp>
       <p:cxnSp>
         <p:nvCxnSpPr>
-          <p:cNvPr id="22" name="直接箭头连接符 21">
-            <a:extLst>
-              <a:ext uri="{FF2B5EF4-FFF2-40B4-BE49-F238E27FC236}">
-                <a16:creationId xmlns:a16="http://schemas.microsoft.com/office/drawing/2014/main" id="{3D8DF82D-E6F5-4CCD-B29F-F07C2B7D8AD8}"/>
-              </a:ext>
-            </a:extLst>
-          </p:cNvPr>
+          <p:cNvPr id="22" name="直接箭头连接符 21"/>
           <p:cNvCxnSpPr>
             <a:stCxn id="7" idx="5"/>
             <a:endCxn id="13" idx="0"/>
@@ -3998,13 +3526,7 @@
       </p:cxnSp>
       <p:cxnSp>
         <p:nvCxnSpPr>
-          <p:cNvPr id="24" name="直接箭头连接符 23">
-            <a:extLst>
-              <a:ext uri="{FF2B5EF4-FFF2-40B4-BE49-F238E27FC236}">
-                <a16:creationId xmlns:a16="http://schemas.microsoft.com/office/drawing/2014/main" id="{4432434C-EDC9-4507-A177-B234A4975CD6}"/>
-              </a:ext>
-            </a:extLst>
-          </p:cNvPr>
+          <p:cNvPr id="24" name="直接箭头连接符 23"/>
           <p:cNvCxnSpPr>
             <a:stCxn id="7" idx="3"/>
             <a:endCxn id="12" idx="0"/>
@@ -4040,13 +3562,7 @@
       </p:cxnSp>
       <p:cxnSp>
         <p:nvCxnSpPr>
-          <p:cNvPr id="26" name="直接箭头连接符 25">
-            <a:extLst>
-              <a:ext uri="{FF2B5EF4-FFF2-40B4-BE49-F238E27FC236}">
-                <a16:creationId xmlns:a16="http://schemas.microsoft.com/office/drawing/2014/main" id="{907381D1-9E82-4B42-8807-E61B6A575B0C}"/>
-              </a:ext>
-            </a:extLst>
-          </p:cNvPr>
+          <p:cNvPr id="26" name="直接箭头连接符 25"/>
           <p:cNvCxnSpPr>
             <a:stCxn id="6" idx="5"/>
             <a:endCxn id="9" idx="0"/>
@@ -4082,13 +3598,7 @@
       </p:cxnSp>
       <p:cxnSp>
         <p:nvCxnSpPr>
-          <p:cNvPr id="28" name="直接箭头连接符 27">
-            <a:extLst>
-              <a:ext uri="{FF2B5EF4-FFF2-40B4-BE49-F238E27FC236}">
-                <a16:creationId xmlns:a16="http://schemas.microsoft.com/office/drawing/2014/main" id="{A983BDA0-E50C-499C-8A6D-7CDB1397B900}"/>
-              </a:ext>
-            </a:extLst>
-          </p:cNvPr>
+          <p:cNvPr id="28" name="直接箭头连接符 27"/>
           <p:cNvCxnSpPr>
             <a:endCxn id="10" idx="7"/>
           </p:cNvCxnSpPr>
@@ -4123,13 +3633,7 @@
       </p:cxnSp>
       <p:cxnSp>
         <p:nvCxnSpPr>
-          <p:cNvPr id="30" name="直接箭头连接符 29">
-            <a:extLst>
-              <a:ext uri="{FF2B5EF4-FFF2-40B4-BE49-F238E27FC236}">
-                <a16:creationId xmlns:a16="http://schemas.microsoft.com/office/drawing/2014/main" id="{C8A79DB1-05C6-41E8-8D84-0CA1C4E936E1}"/>
-              </a:ext>
-            </a:extLst>
-          </p:cNvPr>
+          <p:cNvPr id="30" name="直接箭头连接符 29"/>
           <p:cNvCxnSpPr>
             <a:stCxn id="9" idx="5"/>
             <a:endCxn id="11" idx="0"/>
@@ -4165,13 +3669,7 @@
       </p:cxnSp>
       <p:sp>
         <p:nvSpPr>
-          <p:cNvPr id="31" name="椭圆 30">
-            <a:extLst>
-              <a:ext uri="{FF2B5EF4-FFF2-40B4-BE49-F238E27FC236}">
-                <a16:creationId xmlns:a16="http://schemas.microsoft.com/office/drawing/2014/main" id="{D1FFC950-988A-4BE1-B50A-83DDE4C1E91E}"/>
-              </a:ext>
-            </a:extLst>
-          </p:cNvPr>
+          <p:cNvPr id="31" name="椭圆 30"/>
           <p:cNvSpPr/>
           <p:nvPr/>
         </p:nvSpPr>
@@ -4218,13 +3716,7 @@
       </p:sp>
       <p:sp>
         <p:nvSpPr>
-          <p:cNvPr id="32" name="椭圆 31">
-            <a:extLst>
-              <a:ext uri="{FF2B5EF4-FFF2-40B4-BE49-F238E27FC236}">
-                <a16:creationId xmlns:a16="http://schemas.microsoft.com/office/drawing/2014/main" id="{DECD024B-B524-4CD1-8934-4B4DB0EFB3D1}"/>
-              </a:ext>
-            </a:extLst>
-          </p:cNvPr>
+          <p:cNvPr id="32" name="椭圆 31"/>
           <p:cNvSpPr/>
           <p:nvPr/>
         </p:nvSpPr>
@@ -4271,13 +3763,7 @@
       </p:sp>
       <p:sp>
         <p:nvSpPr>
-          <p:cNvPr id="33" name="椭圆 32">
-            <a:extLst>
-              <a:ext uri="{FF2B5EF4-FFF2-40B4-BE49-F238E27FC236}">
-                <a16:creationId xmlns:a16="http://schemas.microsoft.com/office/drawing/2014/main" id="{7B37499D-F7E5-4238-9C00-C997A9113427}"/>
-              </a:ext>
-            </a:extLst>
-          </p:cNvPr>
+          <p:cNvPr id="33" name="椭圆 32"/>
           <p:cNvSpPr/>
           <p:nvPr/>
         </p:nvSpPr>
@@ -4324,13 +3810,7 @@
       </p:sp>
       <p:sp>
         <p:nvSpPr>
-          <p:cNvPr id="34" name="椭圆 33">
-            <a:extLst>
-              <a:ext uri="{FF2B5EF4-FFF2-40B4-BE49-F238E27FC236}">
-                <a16:creationId xmlns:a16="http://schemas.microsoft.com/office/drawing/2014/main" id="{0B9CEC27-7D04-4D01-993A-EF5D6F2062A3}"/>
-              </a:ext>
-            </a:extLst>
-          </p:cNvPr>
+          <p:cNvPr id="34" name="椭圆 33"/>
           <p:cNvSpPr/>
           <p:nvPr/>
         </p:nvSpPr>
@@ -4377,13 +3857,7 @@
       </p:sp>
       <p:sp>
         <p:nvSpPr>
-          <p:cNvPr id="35" name="椭圆 34">
-            <a:extLst>
-              <a:ext uri="{FF2B5EF4-FFF2-40B4-BE49-F238E27FC236}">
-                <a16:creationId xmlns:a16="http://schemas.microsoft.com/office/drawing/2014/main" id="{29969341-67A2-4FAD-B952-A60FB0334359}"/>
-              </a:ext>
-            </a:extLst>
-          </p:cNvPr>
+          <p:cNvPr id="35" name="椭圆 34"/>
           <p:cNvSpPr/>
           <p:nvPr/>
         </p:nvSpPr>
@@ -4430,13 +3904,7 @@
       </p:sp>
       <p:sp>
         <p:nvSpPr>
-          <p:cNvPr id="36" name="椭圆 35">
-            <a:extLst>
-              <a:ext uri="{FF2B5EF4-FFF2-40B4-BE49-F238E27FC236}">
-                <a16:creationId xmlns:a16="http://schemas.microsoft.com/office/drawing/2014/main" id="{B5D32C94-88EE-4106-8FC5-A88BBE844EDC}"/>
-              </a:ext>
-            </a:extLst>
-          </p:cNvPr>
+          <p:cNvPr id="36" name="椭圆 35"/>
           <p:cNvSpPr/>
           <p:nvPr/>
         </p:nvSpPr>
@@ -4483,13 +3951,7 @@
       </p:sp>
       <p:sp>
         <p:nvSpPr>
-          <p:cNvPr id="37" name="椭圆 36">
-            <a:extLst>
-              <a:ext uri="{FF2B5EF4-FFF2-40B4-BE49-F238E27FC236}">
-                <a16:creationId xmlns:a16="http://schemas.microsoft.com/office/drawing/2014/main" id="{BCF21A6C-3AE0-4C77-93B0-D5BCC521D3AB}"/>
-              </a:ext>
-            </a:extLst>
-          </p:cNvPr>
+          <p:cNvPr id="37" name="椭圆 36"/>
           <p:cNvSpPr/>
           <p:nvPr/>
         </p:nvSpPr>
@@ -4536,13 +3998,7 @@
       </p:sp>
       <p:sp>
         <p:nvSpPr>
-          <p:cNvPr id="38" name="椭圆 37">
-            <a:extLst>
-              <a:ext uri="{FF2B5EF4-FFF2-40B4-BE49-F238E27FC236}">
-                <a16:creationId xmlns:a16="http://schemas.microsoft.com/office/drawing/2014/main" id="{72F1133B-CE21-4ED2-82F6-062B0EAF8D4F}"/>
-              </a:ext>
-            </a:extLst>
-          </p:cNvPr>
+          <p:cNvPr id="38" name="椭圆 37"/>
           <p:cNvSpPr/>
           <p:nvPr/>
         </p:nvSpPr>
@@ -4589,13 +4045,7 @@
       </p:sp>
       <p:sp>
         <p:nvSpPr>
-          <p:cNvPr id="39" name="椭圆 38">
-            <a:extLst>
-              <a:ext uri="{FF2B5EF4-FFF2-40B4-BE49-F238E27FC236}">
-                <a16:creationId xmlns:a16="http://schemas.microsoft.com/office/drawing/2014/main" id="{CFEDC16B-E717-42D2-A594-A64F0D406208}"/>
-              </a:ext>
-            </a:extLst>
-          </p:cNvPr>
+          <p:cNvPr id="39" name="椭圆 38"/>
           <p:cNvSpPr/>
           <p:nvPr/>
         </p:nvSpPr>
@@ -4642,13 +4092,7 @@
       </p:sp>
       <p:sp>
         <p:nvSpPr>
-          <p:cNvPr id="40" name="椭圆 39">
-            <a:extLst>
-              <a:ext uri="{FF2B5EF4-FFF2-40B4-BE49-F238E27FC236}">
-                <a16:creationId xmlns:a16="http://schemas.microsoft.com/office/drawing/2014/main" id="{BBBA6532-6B56-4E50-9345-7CA30B7091DB}"/>
-              </a:ext>
-            </a:extLst>
-          </p:cNvPr>
+          <p:cNvPr id="40" name="椭圆 39"/>
           <p:cNvSpPr/>
           <p:nvPr/>
         </p:nvSpPr>
@@ -4695,13 +4139,7 @@
       </p:sp>
       <p:cxnSp>
         <p:nvCxnSpPr>
-          <p:cNvPr id="43" name="连接符: 曲线 42">
-            <a:extLst>
-              <a:ext uri="{FF2B5EF4-FFF2-40B4-BE49-F238E27FC236}">
-                <a16:creationId xmlns:a16="http://schemas.microsoft.com/office/drawing/2014/main" id="{70048FC8-C644-4805-941A-998660362440}"/>
-              </a:ext>
-            </a:extLst>
-          </p:cNvPr>
+          <p:cNvPr id="43" name="连接符: 曲线 42"/>
           <p:cNvCxnSpPr>
             <a:stCxn id="31" idx="7"/>
             <a:endCxn id="8" idx="3"/>
@@ -4737,13 +4175,7 @@
       </p:cxnSp>
       <p:cxnSp>
         <p:nvCxnSpPr>
-          <p:cNvPr id="45" name="连接符: 曲线 44">
-            <a:extLst>
-              <a:ext uri="{FF2B5EF4-FFF2-40B4-BE49-F238E27FC236}">
-                <a16:creationId xmlns:a16="http://schemas.microsoft.com/office/drawing/2014/main" id="{564C5C18-D5AF-4713-9A3B-D4F85B3E8C13}"/>
-              </a:ext>
-            </a:extLst>
-          </p:cNvPr>
+          <p:cNvPr id="45" name="连接符: 曲线 44"/>
           <p:cNvCxnSpPr>
             <a:stCxn id="32" idx="7"/>
             <a:endCxn id="6" idx="4"/>
@@ -4779,13 +4211,7 @@
       </p:cxnSp>
       <p:cxnSp>
         <p:nvCxnSpPr>
-          <p:cNvPr id="49" name="连接符: 曲线 48">
-            <a:extLst>
-              <a:ext uri="{FF2B5EF4-FFF2-40B4-BE49-F238E27FC236}">
-                <a16:creationId xmlns:a16="http://schemas.microsoft.com/office/drawing/2014/main" id="{E7046370-11CE-48A0-A7AC-C0C4A49E16B2}"/>
-              </a:ext>
-            </a:extLst>
-          </p:cNvPr>
+          <p:cNvPr id="49" name="连接符: 曲线 48"/>
           <p:cNvCxnSpPr>
             <a:stCxn id="33" idx="7"/>
             <a:endCxn id="10" idx="3"/>
@@ -4821,15 +4247,8 @@
       </p:cxnSp>
       <p:cxnSp>
         <p:nvCxnSpPr>
-          <p:cNvPr id="50" name="连接符: 曲线 49">
-            <a:extLst>
-              <a:ext uri="{FF2B5EF4-FFF2-40B4-BE49-F238E27FC236}">
-                <a16:creationId xmlns:a16="http://schemas.microsoft.com/office/drawing/2014/main" id="{42DE6F80-B75B-456D-89E0-9411C7A1C8C9}"/>
-              </a:ext>
-            </a:extLst>
-          </p:cNvPr>
+          <p:cNvPr id="50" name="连接符: 曲线 49"/>
           <p:cNvCxnSpPr>
-            <a:cxnSpLocks/>
             <a:stCxn id="34" idx="7"/>
             <a:endCxn id="9" idx="4"/>
           </p:cNvCxnSpPr>
@@ -4866,15 +4285,8 @@
       </p:cxnSp>
       <p:cxnSp>
         <p:nvCxnSpPr>
-          <p:cNvPr id="57" name="连接符: 曲线 56">
-            <a:extLst>
-              <a:ext uri="{FF2B5EF4-FFF2-40B4-BE49-F238E27FC236}">
-                <a16:creationId xmlns:a16="http://schemas.microsoft.com/office/drawing/2014/main" id="{29BC2B26-EFAB-40EE-889E-DB8F6DD7B88D}"/>
-              </a:ext>
-            </a:extLst>
-          </p:cNvPr>
+          <p:cNvPr id="57" name="连接符: 曲线 56"/>
           <p:cNvCxnSpPr>
-            <a:cxnSpLocks/>
             <a:stCxn id="35" idx="7"/>
             <a:endCxn id="11" idx="4"/>
           </p:cNvCxnSpPr>
@@ -4911,15 +4323,8 @@
       </p:cxnSp>
       <p:cxnSp>
         <p:nvCxnSpPr>
-          <p:cNvPr id="67" name="连接符: 曲线 66">
-            <a:extLst>
-              <a:ext uri="{FF2B5EF4-FFF2-40B4-BE49-F238E27FC236}">
-                <a16:creationId xmlns:a16="http://schemas.microsoft.com/office/drawing/2014/main" id="{22405868-0C47-4153-8972-0CCB075AA33C}"/>
-              </a:ext>
-            </a:extLst>
-          </p:cNvPr>
+          <p:cNvPr id="67" name="连接符: 曲线 66"/>
           <p:cNvCxnSpPr>
-            <a:cxnSpLocks/>
             <a:stCxn id="36" idx="0"/>
             <a:endCxn id="5" idx="4"/>
           </p:cNvCxnSpPr>
@@ -4956,15 +4361,8 @@
       </p:cxnSp>
       <p:cxnSp>
         <p:nvCxnSpPr>
-          <p:cNvPr id="70" name="连接符: 曲线 69">
-            <a:extLst>
-              <a:ext uri="{FF2B5EF4-FFF2-40B4-BE49-F238E27FC236}">
-                <a16:creationId xmlns:a16="http://schemas.microsoft.com/office/drawing/2014/main" id="{250C8AD8-512D-4656-8916-B309327C60AA}"/>
-              </a:ext>
-            </a:extLst>
-          </p:cNvPr>
+          <p:cNvPr id="70" name="连接符: 曲线 69"/>
           <p:cNvCxnSpPr>
-            <a:cxnSpLocks/>
             <a:stCxn id="37" idx="0"/>
             <a:endCxn id="12" idx="4"/>
           </p:cNvCxnSpPr>
@@ -5001,15 +4399,8 @@
       </p:cxnSp>
       <p:cxnSp>
         <p:nvCxnSpPr>
-          <p:cNvPr id="74" name="连接符: 曲线 73">
-            <a:extLst>
-              <a:ext uri="{FF2B5EF4-FFF2-40B4-BE49-F238E27FC236}">
-                <a16:creationId xmlns:a16="http://schemas.microsoft.com/office/drawing/2014/main" id="{D1D26A00-F047-4D67-ABF1-7A6A13A63709}"/>
-              </a:ext>
-            </a:extLst>
-          </p:cNvPr>
+          <p:cNvPr id="74" name="连接符: 曲线 73"/>
           <p:cNvCxnSpPr>
-            <a:cxnSpLocks/>
             <a:stCxn id="38" idx="0"/>
             <a:endCxn id="7" idx="4"/>
           </p:cNvCxnSpPr>
@@ -5046,15 +4437,8 @@
       </p:cxnSp>
       <p:cxnSp>
         <p:nvCxnSpPr>
-          <p:cNvPr id="88" name="连接符: 曲线 87">
-            <a:extLst>
-              <a:ext uri="{FF2B5EF4-FFF2-40B4-BE49-F238E27FC236}">
-                <a16:creationId xmlns:a16="http://schemas.microsoft.com/office/drawing/2014/main" id="{3D09D569-B3CE-4160-9616-29E1F9DA9CAB}"/>
-              </a:ext>
-            </a:extLst>
-          </p:cNvPr>
+          <p:cNvPr id="88" name="连接符: 曲线 87"/>
           <p:cNvCxnSpPr>
-            <a:cxnSpLocks/>
             <a:stCxn id="39" idx="0"/>
             <a:endCxn id="13" idx="4"/>
           </p:cNvCxnSpPr>
@@ -5091,15 +4475,8 @@
       </p:cxnSp>
       <p:cxnSp>
         <p:nvCxnSpPr>
-          <p:cNvPr id="91" name="连接符: 曲线 90">
-            <a:extLst>
-              <a:ext uri="{FF2B5EF4-FFF2-40B4-BE49-F238E27FC236}">
-                <a16:creationId xmlns:a16="http://schemas.microsoft.com/office/drawing/2014/main" id="{B97E04C6-D1BB-4850-8D89-9C0266DB0616}"/>
-              </a:ext>
-            </a:extLst>
-          </p:cNvPr>
+          <p:cNvPr id="91" name="连接符: 曲线 90"/>
           <p:cNvCxnSpPr>
-            <a:cxnSpLocks/>
             <a:stCxn id="40" idx="0"/>
           </p:cNvCxnSpPr>
           <p:nvPr/>
@@ -5135,15 +4512,8 @@
       </p:cxnSp>
       <p:cxnSp>
         <p:nvCxnSpPr>
-          <p:cNvPr id="113" name="直接箭头连接符 112">
-            <a:extLst>
-              <a:ext uri="{FF2B5EF4-FFF2-40B4-BE49-F238E27FC236}">
-                <a16:creationId xmlns:a16="http://schemas.microsoft.com/office/drawing/2014/main" id="{DC041852-2736-4A8C-94AF-E2EBED1D767D}"/>
-              </a:ext>
-            </a:extLst>
-          </p:cNvPr>
+          <p:cNvPr id="113" name="直接箭头连接符 112"/>
           <p:cNvCxnSpPr>
-            <a:cxnSpLocks/>
             <a:stCxn id="6" idx="3"/>
             <a:endCxn id="8" idx="7"/>
           </p:cNvCxnSpPr>
@@ -5178,13 +4548,7 @@
       </p:cxnSp>
       <p:sp>
         <p:nvSpPr>
-          <p:cNvPr id="123" name="文本框 122">
-            <a:extLst>
-              <a:ext uri="{FF2B5EF4-FFF2-40B4-BE49-F238E27FC236}">
-                <a16:creationId xmlns:a16="http://schemas.microsoft.com/office/drawing/2014/main" id="{0FDCBDCB-C3E8-4E43-95A5-DC170375DC9B}"/>
-              </a:ext>
-            </a:extLst>
-          </p:cNvPr>
+          <p:cNvPr id="123" name="文本框 122"/>
           <p:cNvSpPr txBox="1"/>
           <p:nvPr/>
         </p:nvSpPr>
@@ -5261,12 +4625,105 @@
           </a:p>
         </p:txBody>
       </p:sp>
+      <p:sp>
+        <p:nvSpPr>
+          <p:cNvPr id="2" name="文本框 1"/>
+          <p:cNvSpPr txBox="1"/>
+          <p:nvPr/>
+        </p:nvSpPr>
+        <p:spPr>
+          <a:xfrm>
+            <a:off x="6764020" y="4499610"/>
+            <a:ext cx="5972175" cy="2306955"/>
+          </a:xfrm>
+          <a:prstGeom prst="rect">
+            <a:avLst/>
+          </a:prstGeom>
+          <a:noFill/>
+        </p:spPr>
+        <p:txBody>
+          <a:bodyPr wrap="square" rtlCol="0" anchor="t">
+            <a:spAutoFit/>
+          </a:bodyPr>
+          <a:p>
+            <a:r>
+              <a:rPr lang="zh-CN" altLang="en-US"/>
+              <a:t>       </a:t>
+            </a:r>
+            <a:r>
+              <a:rPr lang="zh-CN" altLang="en-US">
+                <a:solidFill>
+                  <a:schemeClr val="accent6"/>
+                </a:solidFill>
+              </a:rPr>
+              <a:t>#不要忘记外卡选手</a:t>
+            </a:r>
+            <a:endParaRPr lang="zh-CN" altLang="en-US"/>
+          </a:p>
+          <a:p>
+            <a:r>
+              <a:rPr lang="zh-CN" altLang="en-US"/>
+              <a:t>        while </a:t>
+            </a:r>
+            <a:r>
+              <a:rPr lang="zh-CN" altLang="en-US">
+                <a:solidFill>
+                  <a:srgbClr val="FF0000"/>
+                </a:solidFill>
+              </a:rPr>
+              <a:t>cur!=None</a:t>
+            </a:r>
+            <a:r>
+              <a:rPr lang="zh-CN" altLang="en-US"/>
+              <a:t> or len(recursionStack)!=0:</a:t>
+            </a:r>
+            <a:endParaRPr lang="zh-CN" altLang="en-US"/>
+          </a:p>
+          <a:p>
+            <a:r>
+              <a:rPr lang="zh-CN" altLang="en-US"/>
+              <a:t>            while(cur!=None):</a:t>
+            </a:r>
+            <a:endParaRPr lang="zh-CN" altLang="en-US"/>
+          </a:p>
+          <a:p>
+            <a:r>
+              <a:rPr lang="zh-CN" altLang="en-US"/>
+              <a:t>                recursionStack.append(cur)</a:t>
+            </a:r>
+            <a:endParaRPr lang="zh-CN" altLang="en-US"/>
+          </a:p>
+          <a:p>
+            <a:r>
+              <a:rPr lang="zh-CN" altLang="en-US"/>
+              <a:t>                cur=cur.left</a:t>
+            </a:r>
+            <a:endParaRPr lang="zh-CN" altLang="en-US"/>
+          </a:p>
+          <a:p>
+            <a:r>
+              <a:rPr lang="zh-CN" altLang="en-US"/>
+              <a:t>            cur=recursionStack.pop()</a:t>
+            </a:r>
+            <a:endParaRPr lang="zh-CN" altLang="en-US"/>
+          </a:p>
+          <a:p>
+            <a:r>
+              <a:rPr lang="zh-CN" altLang="en-US"/>
+              <a:t>            ans.append(cur.val)</a:t>
+            </a:r>
+            <a:endParaRPr lang="zh-CN" altLang="en-US"/>
+          </a:p>
+          <a:p>
+            <a:r>
+              <a:rPr lang="zh-CN" altLang="en-US"/>
+              <a:t>            cur=cur.right</a:t>
+            </a:r>
+            <a:endParaRPr lang="zh-CN" altLang="en-US"/>
+          </a:p>
+        </p:txBody>
+      </p:sp>
     </p:spTree>
-    <p:extLst>
-      <p:ext uri="{BB962C8B-B14F-4D97-AF65-F5344CB8AC3E}">
-        <p14:creationId xmlns:p14="http://schemas.microsoft.com/office/powerpoint/2010/main" val="910576086"/>
-      </p:ext>
-    </p:extLst>
   </p:cSld>
   <p:clrMapOvr>
     <a:masterClrMapping/>
@@ -5465,8 +4922,6 @@
       </a:bgFillStyleLst>
     </a:fmtScheme>
   </a:themeElements>
-  <a:objectDefaults/>
-  <a:extraClrSchemeLst/>
   <a:extLst>
     <a:ext uri="{05A4C25C-085E-4340-85A3-A5531E510DB2}">
       <thm15:themeFamily xmlns:thm15="http://schemas.microsoft.com/office/thememl/2012/main" name="Office Theme" id="{62F939B6-93AF-4DB8-9C6B-D6C7DFDC589F}" vid="{4A3C46E8-61CC-4603-A589-7422A47A8E4A}"/>
